--- a/b_Others/01.pptx
+++ b/b_Others/01.pptx
@@ -9,6 +9,7 @@
     <p:sldId id="257" r:id="rId3"/>
     <p:sldId id="258" r:id="rId4"/>
     <p:sldId id="259" r:id="rId5"/>
+    <p:sldId id="260" r:id="rId6"/>
   </p:sldIdLst>
   <p:sldSz cx="12192000" cy="6858000"/>
   <p:notesSz cx="6858000" cy="9144000"/>
@@ -264,7 +265,7 @@
           <a:p>
             <a:fld id="{830943F9-8AC6-4393-AEEF-D45C2A43C7C7}" type="datetimeFigureOut">
               <a:rPr lang="LID4096" smtClean="0"/>
-              <a:t>12/18/2024</a:t>
+              <a:t>12/19/2024</a:t>
             </a:fld>
             <a:endParaRPr lang="LID4096"/>
           </a:p>
@@ -464,7 +465,7 @@
           <a:p>
             <a:fld id="{830943F9-8AC6-4393-AEEF-D45C2A43C7C7}" type="datetimeFigureOut">
               <a:rPr lang="LID4096" smtClean="0"/>
-              <a:t>12/18/2024</a:t>
+              <a:t>12/19/2024</a:t>
             </a:fld>
             <a:endParaRPr lang="LID4096"/>
           </a:p>
@@ -674,7 +675,7 @@
           <a:p>
             <a:fld id="{830943F9-8AC6-4393-AEEF-D45C2A43C7C7}" type="datetimeFigureOut">
               <a:rPr lang="LID4096" smtClean="0"/>
-              <a:t>12/18/2024</a:t>
+              <a:t>12/19/2024</a:t>
             </a:fld>
             <a:endParaRPr lang="LID4096"/>
           </a:p>
@@ -874,7 +875,7 @@
           <a:p>
             <a:fld id="{830943F9-8AC6-4393-AEEF-D45C2A43C7C7}" type="datetimeFigureOut">
               <a:rPr lang="LID4096" smtClean="0"/>
-              <a:t>12/18/2024</a:t>
+              <a:t>12/19/2024</a:t>
             </a:fld>
             <a:endParaRPr lang="LID4096"/>
           </a:p>
@@ -1150,7 +1151,7 @@
           <a:p>
             <a:fld id="{830943F9-8AC6-4393-AEEF-D45C2A43C7C7}" type="datetimeFigureOut">
               <a:rPr lang="LID4096" smtClean="0"/>
-              <a:t>12/18/2024</a:t>
+              <a:t>12/19/2024</a:t>
             </a:fld>
             <a:endParaRPr lang="LID4096"/>
           </a:p>
@@ -1418,7 +1419,7 @@
           <a:p>
             <a:fld id="{830943F9-8AC6-4393-AEEF-D45C2A43C7C7}" type="datetimeFigureOut">
               <a:rPr lang="LID4096" smtClean="0"/>
-              <a:t>12/18/2024</a:t>
+              <a:t>12/19/2024</a:t>
             </a:fld>
             <a:endParaRPr lang="LID4096"/>
           </a:p>
@@ -1833,7 +1834,7 @@
           <a:p>
             <a:fld id="{830943F9-8AC6-4393-AEEF-D45C2A43C7C7}" type="datetimeFigureOut">
               <a:rPr lang="LID4096" smtClean="0"/>
-              <a:t>12/18/2024</a:t>
+              <a:t>12/19/2024</a:t>
             </a:fld>
             <a:endParaRPr lang="LID4096"/>
           </a:p>
@@ -1975,7 +1976,7 @@
           <a:p>
             <a:fld id="{830943F9-8AC6-4393-AEEF-D45C2A43C7C7}" type="datetimeFigureOut">
               <a:rPr lang="LID4096" smtClean="0"/>
-              <a:t>12/18/2024</a:t>
+              <a:t>12/19/2024</a:t>
             </a:fld>
             <a:endParaRPr lang="LID4096"/>
           </a:p>
@@ -2088,7 +2089,7 @@
           <a:p>
             <a:fld id="{830943F9-8AC6-4393-AEEF-D45C2A43C7C7}" type="datetimeFigureOut">
               <a:rPr lang="LID4096" smtClean="0"/>
-              <a:t>12/18/2024</a:t>
+              <a:t>12/19/2024</a:t>
             </a:fld>
             <a:endParaRPr lang="LID4096"/>
           </a:p>
@@ -2401,7 +2402,7 @@
           <a:p>
             <a:fld id="{830943F9-8AC6-4393-AEEF-D45C2A43C7C7}" type="datetimeFigureOut">
               <a:rPr lang="LID4096" smtClean="0"/>
-              <a:t>12/18/2024</a:t>
+              <a:t>12/19/2024</a:t>
             </a:fld>
             <a:endParaRPr lang="LID4096"/>
           </a:p>
@@ -2690,7 +2691,7 @@
           <a:p>
             <a:fld id="{830943F9-8AC6-4393-AEEF-D45C2A43C7C7}" type="datetimeFigureOut">
               <a:rPr lang="LID4096" smtClean="0"/>
-              <a:t>12/18/2024</a:t>
+              <a:t>12/19/2024</a:t>
             </a:fld>
             <a:endParaRPr lang="LID4096"/>
           </a:p>
@@ -2933,7 +2934,7 @@
           <a:p>
             <a:fld id="{830943F9-8AC6-4393-AEEF-D45C2A43C7C7}" type="datetimeFigureOut">
               <a:rPr lang="LID4096" smtClean="0"/>
-              <a:t>12/18/2024</a:t>
+              <a:t>12/19/2024</a:t>
             </a:fld>
             <a:endParaRPr lang="LID4096"/>
           </a:p>
@@ -3521,7 +3522,7 @@
         </p:nvSpPr>
         <p:spPr>
           <a:xfrm>
-            <a:off x="9195117" y="5938865"/>
+            <a:off x="9196375" y="4931618"/>
             <a:ext cx="2996883" cy="923330"/>
           </a:xfrm>
           <a:prstGeom prst="rect">
@@ -4031,9 +4032,9 @@
         <p:grpSpPr>
           <a:xfrm>
             <a:off x="119910" y="2912686"/>
-            <a:ext cx="7276065" cy="3284778"/>
+            <a:ext cx="8007434" cy="3284778"/>
             <a:chOff x="119910" y="2912686"/>
-            <a:chExt cx="7276065" cy="3284778"/>
+            <a:chExt cx="8007434" cy="3284778"/>
           </a:xfrm>
         </p:grpSpPr>
         <p:grpSp>
@@ -4051,9 +4052,9 @@
           <p:grpSpPr>
             <a:xfrm>
               <a:off x="119910" y="2912686"/>
-              <a:ext cx="7276065" cy="3284778"/>
+              <a:ext cx="8007434" cy="3284778"/>
               <a:chOff x="12310" y="2096533"/>
-              <a:chExt cx="7276065" cy="3284778"/>
+              <a:chExt cx="8007434" cy="3284778"/>
             </a:xfrm>
           </p:grpSpPr>
           <p:grpSp>
@@ -4071,9 +4072,9 @@
             <p:grpSpPr>
               <a:xfrm>
                 <a:off x="971005" y="3550900"/>
-                <a:ext cx="5212083" cy="1830411"/>
+                <a:ext cx="7048739" cy="1830411"/>
                 <a:chOff x="883917" y="2065109"/>
-                <a:chExt cx="5212083" cy="1830411"/>
+                <a:chExt cx="7048739" cy="1830411"/>
               </a:xfrm>
             </p:grpSpPr>
             <p:grpSp>
@@ -4380,7 +4381,7 @@
               </p:nvSpPr>
               <p:spPr>
                 <a:xfrm>
-                  <a:off x="3685901" y="3471486"/>
+                  <a:off x="5690199" y="3524419"/>
                   <a:ext cx="2242457" cy="261610"/>
                 </a:xfrm>
                 <a:prstGeom prst="rect">
@@ -4530,7 +4531,7 @@
         </p:nvSpPr>
         <p:spPr>
           <a:xfrm>
-            <a:off x="70944" y="6320495"/>
+            <a:off x="5562600" y="6457890"/>
             <a:ext cx="6988628" cy="400110"/>
           </a:xfrm>
           <a:prstGeom prst="rect">
@@ -4558,6 +4559,383 @@
               <a:t>E:\15_REPOS\00_Betami\02_Flopy_1_2_3__\d_01_groundwater_Initial\01\tempIN</a:t>
             </a:r>
             <a:endParaRPr lang="LID4096" sz="1000" dirty="0"/>
+          </a:p>
+        </p:txBody>
+      </p:sp>
+      <p:sp>
+        <p:nvSpPr>
+          <p:cNvPr id="2" name="TextBox 1">
+            <a:extLst>
+              <a:ext uri="{FF2B5EF4-FFF2-40B4-BE49-F238E27FC236}">
+                <a16:creationId xmlns:a16="http://schemas.microsoft.com/office/drawing/2014/main" id="{B753F478-E7C0-B25E-A559-769937F5A3FB}"/>
+              </a:ext>
+            </a:extLst>
+          </p:cNvPr>
+          <p:cNvSpPr txBox="1"/>
+          <p:nvPr/>
+        </p:nvSpPr>
+        <p:spPr>
+          <a:xfrm>
+            <a:off x="971005" y="6308046"/>
+            <a:ext cx="2159726" cy="369332"/>
+          </a:xfrm>
+          <a:prstGeom prst="rect">
+            <a:avLst/>
+          </a:prstGeom>
+          <a:solidFill>
+            <a:schemeClr val="accent4">
+              <a:lumMod val="40000"/>
+              <a:lumOff val="60000"/>
+            </a:schemeClr>
+          </a:solidFill>
+        </p:spPr>
+        <p:txBody>
+          <a:bodyPr wrap="square">
+            <a:spAutoFit/>
+          </a:bodyPr>
+          <a:lstStyle/>
+          <a:p>
+            <a:r>
+              <a:rPr lang="pt-BR" dirty="0"/>
+              <a:t>= </a:t>
+            </a:r>
+            <a:r>
+              <a:rPr lang="LID4096" dirty="0"/>
+              <a:t>mf6.ModflowGwf</a:t>
+            </a:r>
+            <a:r>
+              <a:rPr lang="pt-BR" dirty="0"/>
+              <a:t>(</a:t>
+            </a:r>
+            <a:endParaRPr lang="LID4096" dirty="0"/>
+          </a:p>
+        </p:txBody>
+      </p:sp>
+      <p:sp>
+        <p:nvSpPr>
+          <p:cNvPr id="6" name="TextBox 5">
+            <a:extLst>
+              <a:ext uri="{FF2B5EF4-FFF2-40B4-BE49-F238E27FC236}">
+                <a16:creationId xmlns:a16="http://schemas.microsoft.com/office/drawing/2014/main" id="{9D73A021-D7E7-A960-D68A-77258067B3BA}"/>
+              </a:ext>
+            </a:extLst>
+          </p:cNvPr>
+          <p:cNvSpPr txBox="1"/>
+          <p:nvPr/>
+        </p:nvSpPr>
+        <p:spPr>
+          <a:xfrm>
+            <a:off x="3945053" y="5741764"/>
+            <a:ext cx="1732936" cy="369332"/>
+          </a:xfrm>
+          <a:prstGeom prst="rect">
+            <a:avLst/>
+          </a:prstGeom>
+          <a:solidFill>
+            <a:schemeClr val="bg1">
+              <a:lumMod val="85000"/>
+            </a:schemeClr>
+          </a:solidFill>
+        </p:spPr>
+        <p:txBody>
+          <a:bodyPr wrap="square">
+            <a:spAutoFit/>
+          </a:bodyPr>
+          <a:lstStyle/>
+          <a:p>
+            <a:r>
+              <a:rPr lang="LID4096" dirty="0"/>
+              <a:t># output control</a:t>
+            </a:r>
+          </a:p>
+        </p:txBody>
+      </p:sp>
+      <p:sp>
+        <p:nvSpPr>
+          <p:cNvPr id="8" name="TextBox 7">
+            <a:extLst>
+              <a:ext uri="{FF2B5EF4-FFF2-40B4-BE49-F238E27FC236}">
+                <a16:creationId xmlns:a16="http://schemas.microsoft.com/office/drawing/2014/main" id="{FEFD2CF9-F252-58B8-071D-17D08640583E}"/>
+              </a:ext>
+            </a:extLst>
+          </p:cNvPr>
+          <p:cNvSpPr txBox="1"/>
+          <p:nvPr/>
+        </p:nvSpPr>
+        <p:spPr>
+          <a:xfrm>
+            <a:off x="645255" y="4400710"/>
+            <a:ext cx="433350" cy="1754326"/>
+          </a:xfrm>
+          <a:prstGeom prst="rect">
+            <a:avLst/>
+          </a:prstGeom>
+          <a:solidFill>
+            <a:schemeClr val="bg1">
+              <a:lumMod val="85000"/>
+            </a:schemeClr>
+          </a:solidFill>
+        </p:spPr>
+        <p:txBody>
+          <a:bodyPr wrap="square">
+            <a:spAutoFit/>
+          </a:bodyPr>
+          <a:lstStyle/>
+          <a:p>
+            <a:r>
+              <a:rPr lang="pt-BR" dirty="0"/>
+              <a:t>01</a:t>
+            </a:r>
+          </a:p>
+          <a:p>
+            <a:r>
+              <a:rPr lang="pt-BR" dirty="0"/>
+              <a:t>02</a:t>
+            </a:r>
+          </a:p>
+          <a:p>
+            <a:r>
+              <a:rPr lang="pt-BR" dirty="0"/>
+              <a:t>03</a:t>
+            </a:r>
+          </a:p>
+          <a:p>
+            <a:r>
+              <a:rPr lang="pt-BR" dirty="0"/>
+              <a:t>04</a:t>
+            </a:r>
+          </a:p>
+          <a:p>
+            <a:r>
+              <a:rPr lang="pt-BR" dirty="0"/>
+              <a:t>05</a:t>
+            </a:r>
+          </a:p>
+          <a:p>
+            <a:r>
+              <a:rPr lang="pt-BR" dirty="0"/>
+              <a:t>06</a:t>
+            </a:r>
+            <a:endParaRPr lang="LID4096" dirty="0"/>
+          </a:p>
+        </p:txBody>
+      </p:sp>
+      <p:sp>
+        <p:nvSpPr>
+          <p:cNvPr id="9" name="TextBox 8">
+            <a:extLst>
+              <a:ext uri="{FF2B5EF4-FFF2-40B4-BE49-F238E27FC236}">
+                <a16:creationId xmlns:a16="http://schemas.microsoft.com/office/drawing/2014/main" id="{CB7507D1-C4EB-723E-3191-2306A5D14BFB}"/>
+              </a:ext>
+            </a:extLst>
+          </p:cNvPr>
+          <p:cNvSpPr txBox="1"/>
+          <p:nvPr/>
+        </p:nvSpPr>
+        <p:spPr>
+          <a:xfrm>
+            <a:off x="3945053" y="5485111"/>
+            <a:ext cx="1732936" cy="369332"/>
+          </a:xfrm>
+          <a:prstGeom prst="rect">
+            <a:avLst/>
+          </a:prstGeom>
+          <a:solidFill>
+            <a:schemeClr val="bg1">
+              <a:lumMod val="85000"/>
+            </a:schemeClr>
+          </a:solidFill>
+        </p:spPr>
+        <p:txBody>
+          <a:bodyPr wrap="square">
+            <a:spAutoFit/>
+          </a:bodyPr>
+          <a:lstStyle/>
+          <a:p>
+            <a:r>
+              <a:rPr lang="LID4096" dirty="0"/>
+              <a:t># </a:t>
+            </a:r>
+            <a:r>
+              <a:rPr lang="pt-BR" dirty="0"/>
+              <a:t>solver</a:t>
+            </a:r>
+            <a:endParaRPr lang="LID4096" dirty="0"/>
+          </a:p>
+        </p:txBody>
+      </p:sp>
+      <p:sp>
+        <p:nvSpPr>
+          <p:cNvPr id="10" name="TextBox 9">
+            <a:extLst>
+              <a:ext uri="{FF2B5EF4-FFF2-40B4-BE49-F238E27FC236}">
+                <a16:creationId xmlns:a16="http://schemas.microsoft.com/office/drawing/2014/main" id="{899DFF02-BADB-709D-049F-B676758152EB}"/>
+              </a:ext>
+            </a:extLst>
+          </p:cNvPr>
+          <p:cNvSpPr txBox="1"/>
+          <p:nvPr/>
+        </p:nvSpPr>
+        <p:spPr>
+          <a:xfrm>
+            <a:off x="666166" y="4009012"/>
+            <a:ext cx="2991433" cy="369332"/>
+          </a:xfrm>
+          <a:prstGeom prst="rect">
+            <a:avLst/>
+          </a:prstGeom>
+          <a:solidFill>
+            <a:schemeClr val="bg1">
+              <a:lumMod val="85000"/>
+            </a:schemeClr>
+          </a:solidFill>
+        </p:spPr>
+        <p:txBody>
+          <a:bodyPr wrap="square">
+            <a:spAutoFit/>
+          </a:bodyPr>
+          <a:lstStyle/>
+          <a:p>
+            <a:r>
+              <a:rPr lang="pt-BR" dirty="0"/>
+              <a:t>Essencial model </a:t>
+            </a:r>
+            <a:r>
+              <a:rPr lang="pt-BR" dirty="0" err="1"/>
+              <a:t>unities</a:t>
+            </a:r>
+            <a:endParaRPr lang="LID4096" dirty="0"/>
+          </a:p>
+        </p:txBody>
+      </p:sp>
+      <p:sp>
+        <p:nvSpPr>
+          <p:cNvPr id="14" name="TextBox 13">
+            <a:extLst>
+              <a:ext uri="{FF2B5EF4-FFF2-40B4-BE49-F238E27FC236}">
+                <a16:creationId xmlns:a16="http://schemas.microsoft.com/office/drawing/2014/main" id="{510CA5C9-29D3-B126-5587-4A298EB31319}"/>
+              </a:ext>
+            </a:extLst>
+          </p:cNvPr>
+          <p:cNvSpPr txBox="1"/>
+          <p:nvPr/>
+        </p:nvSpPr>
+        <p:spPr>
+          <a:xfrm>
+            <a:off x="6111373" y="4920671"/>
+            <a:ext cx="939490" cy="369332"/>
+          </a:xfrm>
+          <a:prstGeom prst="rect">
+            <a:avLst/>
+          </a:prstGeom>
+          <a:solidFill>
+            <a:schemeClr val="bg1">
+              <a:lumMod val="85000"/>
+            </a:schemeClr>
+          </a:solidFill>
+        </p:spPr>
+        <p:txBody>
+          <a:bodyPr wrap="square">
+            <a:spAutoFit/>
+          </a:bodyPr>
+          <a:lstStyle/>
+          <a:p>
+            <a:r>
+              <a:rPr lang="LID4096" dirty="0"/>
+              <a:t># </a:t>
+            </a:r>
+            <a:r>
+              <a:rPr lang="pt-BR" dirty="0"/>
+              <a:t>Layers</a:t>
+            </a:r>
+            <a:endParaRPr lang="LID4096" dirty="0"/>
+          </a:p>
+        </p:txBody>
+      </p:sp>
+      <p:sp>
+        <p:nvSpPr>
+          <p:cNvPr id="15" name="TextBox 14">
+            <a:extLst>
+              <a:ext uri="{FF2B5EF4-FFF2-40B4-BE49-F238E27FC236}">
+                <a16:creationId xmlns:a16="http://schemas.microsoft.com/office/drawing/2014/main" id="{C1B67D59-B68E-2254-8550-30FC7105552E}"/>
+              </a:ext>
+            </a:extLst>
+          </p:cNvPr>
+          <p:cNvSpPr txBox="1"/>
+          <p:nvPr/>
+        </p:nvSpPr>
+        <p:spPr>
+          <a:xfrm>
+            <a:off x="6117003" y="4550885"/>
+            <a:ext cx="939490" cy="369332"/>
+          </a:xfrm>
+          <a:prstGeom prst="rect">
+            <a:avLst/>
+          </a:prstGeom>
+          <a:solidFill>
+            <a:schemeClr val="bg1">
+              <a:lumMod val="85000"/>
+            </a:schemeClr>
+          </a:solidFill>
+        </p:spPr>
+        <p:txBody>
+          <a:bodyPr wrap="square">
+            <a:spAutoFit/>
+          </a:bodyPr>
+          <a:lstStyle/>
+          <a:p>
+            <a:r>
+              <a:rPr lang="LID4096" dirty="0"/>
+              <a:t># </a:t>
+            </a:r>
+            <a:r>
+              <a:rPr lang="pt-BR" dirty="0"/>
+              <a:t>Grid</a:t>
+            </a:r>
+            <a:endParaRPr lang="LID4096" dirty="0"/>
+          </a:p>
+        </p:txBody>
+      </p:sp>
+      <p:sp>
+        <p:nvSpPr>
+          <p:cNvPr id="26" name="TextBox 25">
+            <a:extLst>
+              <a:ext uri="{FF2B5EF4-FFF2-40B4-BE49-F238E27FC236}">
+                <a16:creationId xmlns:a16="http://schemas.microsoft.com/office/drawing/2014/main" id="{9571DC6E-2036-0517-AC73-859463DFB20F}"/>
+              </a:ext>
+            </a:extLst>
+          </p:cNvPr>
+          <p:cNvSpPr txBox="1"/>
+          <p:nvPr/>
+        </p:nvSpPr>
+        <p:spPr>
+          <a:xfrm>
+            <a:off x="3722915" y="4319409"/>
+            <a:ext cx="1725083" cy="369332"/>
+          </a:xfrm>
+          <a:prstGeom prst="rect">
+            <a:avLst/>
+          </a:prstGeom>
+          <a:solidFill>
+            <a:schemeClr val="bg1">
+              <a:lumMod val="85000"/>
+            </a:schemeClr>
+          </a:solidFill>
+        </p:spPr>
+        <p:txBody>
+          <a:bodyPr wrap="square">
+            <a:spAutoFit/>
+          </a:bodyPr>
+          <a:lstStyle>
+            <a:defPPr>
+              <a:defRPr lang="LID4096"/>
+            </a:defPPr>
+          </a:lstStyle>
+          <a:p>
+            <a:r>
+              <a:rPr lang="LID4096" dirty="0"/>
+              <a:t>Discretization</a:t>
+            </a:r>
           </a:p>
         </p:txBody>
       </p:sp>
@@ -4783,12 +5161,331 @@
           </a:p>
         </p:txBody>
       </p:sp>
+      <p:sp>
+        <p:nvSpPr>
+          <p:cNvPr id="42" name="TextBox 41">
+            <a:extLst>
+              <a:ext uri="{FF2B5EF4-FFF2-40B4-BE49-F238E27FC236}">
+                <a16:creationId xmlns:a16="http://schemas.microsoft.com/office/drawing/2014/main" id="{DCA5FE18-776A-017E-2A6E-791001D37520}"/>
+              </a:ext>
+            </a:extLst>
+          </p:cNvPr>
+          <p:cNvSpPr txBox="1"/>
+          <p:nvPr/>
+        </p:nvSpPr>
+        <p:spPr>
+          <a:xfrm>
+            <a:off x="4735755" y="88891"/>
+            <a:ext cx="7549797" cy="523220"/>
+          </a:xfrm>
+          <a:prstGeom prst="rect">
+            <a:avLst/>
+          </a:prstGeom>
+          <a:noFill/>
+        </p:spPr>
+        <p:txBody>
+          <a:bodyPr wrap="square">
+            <a:spAutoFit/>
+          </a:bodyPr>
+          <a:lstStyle/>
+          <a:p>
+            <a:r>
+              <a:rPr lang="LID4096" sz="2800" b="1" dirty="0"/>
+              <a:t>https://flopy.readthedocs.io/en/latest/code.html</a:t>
+            </a:r>
+          </a:p>
+        </p:txBody>
+      </p:sp>
+      <p:sp>
+        <p:nvSpPr>
+          <p:cNvPr id="3" name="TextBox 2">
+            <a:extLst>
+              <a:ext uri="{FF2B5EF4-FFF2-40B4-BE49-F238E27FC236}">
+                <a16:creationId xmlns:a16="http://schemas.microsoft.com/office/drawing/2014/main" id="{B6369578-36F8-483D-6A4A-E4E8EB599582}"/>
+              </a:ext>
+            </a:extLst>
+          </p:cNvPr>
+          <p:cNvSpPr txBox="1"/>
+          <p:nvPr/>
+        </p:nvSpPr>
+        <p:spPr>
+          <a:xfrm>
+            <a:off x="189900" y="1336218"/>
+            <a:ext cx="9623834" cy="923330"/>
+          </a:xfrm>
+          <a:prstGeom prst="rect">
+            <a:avLst/>
+          </a:prstGeom>
+          <a:solidFill>
+            <a:schemeClr val="bg1">
+              <a:lumMod val="95000"/>
+            </a:schemeClr>
+          </a:solidFill>
+          <a:ln>
+            <a:solidFill>
+              <a:schemeClr val="tx1"/>
+            </a:solidFill>
+          </a:ln>
+        </p:spPr>
+        <p:txBody>
+          <a:bodyPr wrap="square">
+            <a:spAutoFit/>
+          </a:bodyPr>
+          <a:lstStyle/>
+          <a:p>
+            <a:r>
+              <a:rPr lang="LID4096" dirty="0">
+                <a:solidFill>
+                  <a:srgbClr val="00B050"/>
+                </a:solidFill>
+              </a:rPr>
+              <a:t>wsl = data_path / "uspb" / "flopy“</a:t>
+            </a:r>
+            <a:endParaRPr lang="pt-BR" dirty="0">
+              <a:solidFill>
+                <a:srgbClr val="00B050"/>
+              </a:solidFill>
+            </a:endParaRPr>
+          </a:p>
+          <a:p>
+            <a:endParaRPr lang="LID4096" dirty="0"/>
+          </a:p>
+          <a:p>
+            <a:r>
+              <a:rPr lang="LID4096" dirty="0"/>
+              <a:t>ml = flopy.</a:t>
+            </a:r>
+            <a:r>
+              <a:rPr lang="LID4096" dirty="0">
+                <a:solidFill>
+                  <a:srgbClr val="FF0000"/>
+                </a:solidFill>
+              </a:rPr>
+              <a:t>modflow.Modflow</a:t>
+            </a:r>
+            <a:r>
+              <a:rPr lang="LID4096" dirty="0"/>
+              <a:t>.</a:t>
+            </a:r>
+            <a:r>
+              <a:rPr lang="LID4096" b="1" dirty="0">
+                <a:solidFill>
+                  <a:srgbClr val="0000FF"/>
+                </a:solidFill>
+              </a:rPr>
+              <a:t>load</a:t>
+            </a:r>
+            <a:r>
+              <a:rPr lang="LID4096" dirty="0"/>
+              <a:t>("DG.nam", model_ws=wsl, verbose=False)</a:t>
+            </a:r>
+          </a:p>
+        </p:txBody>
+      </p:sp>
+      <p:sp>
+        <p:nvSpPr>
+          <p:cNvPr id="2" name="TextBox 1">
+            <a:extLst>
+              <a:ext uri="{FF2B5EF4-FFF2-40B4-BE49-F238E27FC236}">
+                <a16:creationId xmlns:a16="http://schemas.microsoft.com/office/drawing/2014/main" id="{64AE55E8-5A76-940B-0240-C8CFC4102177}"/>
+              </a:ext>
+            </a:extLst>
+          </p:cNvPr>
+          <p:cNvSpPr txBox="1"/>
+          <p:nvPr/>
+        </p:nvSpPr>
+        <p:spPr>
+          <a:xfrm>
+            <a:off x="5837109" y="6135238"/>
+            <a:ext cx="6097508" cy="646331"/>
+          </a:xfrm>
+          <a:prstGeom prst="rect">
+            <a:avLst/>
+          </a:prstGeom>
+          <a:noFill/>
+        </p:spPr>
+        <p:txBody>
+          <a:bodyPr wrap="square">
+            <a:spAutoFit/>
+          </a:bodyPr>
+          <a:lstStyle/>
+          <a:p>
+            <a:r>
+              <a:rPr lang="LID4096" dirty="0">
+                <a:solidFill>
+                  <a:srgbClr val="FF0000"/>
+                </a:solidFill>
+              </a:rPr>
+              <a:t>riv_dtype = </a:t>
+            </a:r>
+            <a:r>
+              <a:rPr lang="LID4096" dirty="0"/>
+              <a:t>flopy.</a:t>
+            </a:r>
+            <a:r>
+              <a:rPr lang="LID4096" dirty="0">
+                <a:solidFill>
+                  <a:srgbClr val="FF0000"/>
+                </a:solidFill>
+              </a:rPr>
+              <a:t>mf</a:t>
+            </a:r>
+            <a:r>
+              <a:rPr lang="pt-BR" dirty="0">
+                <a:solidFill>
+                  <a:srgbClr val="FF0000"/>
+                </a:solidFill>
+              </a:rPr>
+              <a:t>6</a:t>
+            </a:r>
+            <a:r>
+              <a:rPr lang="LID4096" dirty="0">
+                <a:solidFill>
+                  <a:srgbClr val="FF0000"/>
+                </a:solidFill>
+              </a:rPr>
+              <a:t>.Modflow</a:t>
+            </a:r>
+            <a:r>
+              <a:rPr lang="pt-BR" dirty="0">
+                <a:solidFill>
+                  <a:srgbClr val="FF0000"/>
+                </a:solidFill>
+              </a:rPr>
+              <a:t>CHD</a:t>
+            </a:r>
+            <a:r>
+              <a:rPr lang="LID4096" dirty="0"/>
+              <a:t>.get_default_dtype()</a:t>
+            </a:r>
+          </a:p>
+          <a:p>
+            <a:r>
+              <a:rPr lang="LID4096" dirty="0">
+                <a:solidFill>
+                  <a:srgbClr val="FF0000"/>
+                </a:solidFill>
+              </a:rPr>
+              <a:t>print(</a:t>
+            </a:r>
+            <a:r>
+              <a:rPr lang="pt-BR" dirty="0">
+                <a:solidFill>
+                  <a:srgbClr val="FF0000"/>
+                </a:solidFill>
+              </a:rPr>
+              <a:t>CHD</a:t>
+            </a:r>
+            <a:r>
+              <a:rPr lang="LID4096" dirty="0">
+                <a:solidFill>
+                  <a:srgbClr val="FF0000"/>
+                </a:solidFill>
+              </a:rPr>
+              <a:t>_dtype)</a:t>
+            </a:r>
+          </a:p>
+        </p:txBody>
+      </p:sp>
+      <p:sp>
+        <p:nvSpPr>
+          <p:cNvPr id="4" name="TextBox 3">
+            <a:extLst>
+              <a:ext uri="{FF2B5EF4-FFF2-40B4-BE49-F238E27FC236}">
+                <a16:creationId xmlns:a16="http://schemas.microsoft.com/office/drawing/2014/main" id="{702B578E-7770-E74E-ABD8-EB22DE83D904}"/>
+              </a:ext>
+            </a:extLst>
+          </p:cNvPr>
+          <p:cNvSpPr txBox="1"/>
+          <p:nvPr/>
+        </p:nvSpPr>
+        <p:spPr>
+          <a:xfrm>
+            <a:off x="5373873" y="6273737"/>
+            <a:ext cx="845858" cy="369332"/>
+          </a:xfrm>
+          <a:prstGeom prst="rect">
+            <a:avLst/>
+          </a:prstGeom>
+          <a:noFill/>
+        </p:spPr>
+        <p:txBody>
+          <a:bodyPr wrap="square">
+            <a:spAutoFit/>
+          </a:bodyPr>
+          <a:lstStyle/>
+          <a:p>
+            <a:r>
+              <a:rPr lang="pt-BR" dirty="0">
+                <a:solidFill>
+                  <a:srgbClr val="FF0000"/>
+                </a:solidFill>
+              </a:rPr>
+              <a:t>?</a:t>
+            </a:r>
+            <a:endParaRPr lang="LID4096" dirty="0">
+              <a:solidFill>
+                <a:srgbClr val="FF0000"/>
+              </a:solidFill>
+            </a:endParaRPr>
+          </a:p>
+        </p:txBody>
+      </p:sp>
+      <p:sp>
+        <p:nvSpPr>
+          <p:cNvPr id="5" name="TextBox 4">
+            <a:extLst>
+              <a:ext uri="{FF2B5EF4-FFF2-40B4-BE49-F238E27FC236}">
+                <a16:creationId xmlns:a16="http://schemas.microsoft.com/office/drawing/2014/main" id="{0E5D4752-7382-EE88-0028-BDDEAA5CF8E5}"/>
+              </a:ext>
+            </a:extLst>
+          </p:cNvPr>
+          <p:cNvSpPr txBox="1"/>
+          <p:nvPr/>
+        </p:nvSpPr>
+        <p:spPr>
+          <a:xfrm>
+            <a:off x="9265920" y="2520653"/>
+            <a:ext cx="2159726" cy="369332"/>
+          </a:xfrm>
+          <a:prstGeom prst="rect">
+            <a:avLst/>
+          </a:prstGeom>
+          <a:solidFill>
+            <a:schemeClr val="accent4">
+              <a:lumMod val="40000"/>
+              <a:lumOff val="60000"/>
+            </a:schemeClr>
+          </a:solidFill>
+        </p:spPr>
+        <p:txBody>
+          <a:bodyPr wrap="square">
+            <a:spAutoFit/>
+          </a:bodyPr>
+          <a:lstStyle/>
+          <a:p>
+            <a:r>
+              <a:rPr lang="pt-BR" dirty="0"/>
+              <a:t>= </a:t>
+            </a:r>
+            <a:r>
+              <a:rPr lang="LID4096" dirty="0"/>
+              <a:t>mf6.ModflowGwf</a:t>
+            </a:r>
+            <a:r>
+              <a:rPr lang="pt-BR" dirty="0"/>
+              <a:t>(</a:t>
+            </a:r>
+            <a:endParaRPr lang="LID4096" dirty="0"/>
+          </a:p>
+        </p:txBody>
+      </p:sp>
       <p:grpSp>
         <p:nvGrpSpPr>
-          <p:cNvPr id="26" name="Group 25">
-            <a:extLst>
-              <a:ext uri="{FF2B5EF4-FFF2-40B4-BE49-F238E27FC236}">
-                <a16:creationId xmlns:a16="http://schemas.microsoft.com/office/drawing/2014/main" id="{C099CD7A-0F6D-04CC-4E4A-D025D5CF657C}"/>
+          <p:cNvPr id="7" name="Group 6">
+            <a:extLst>
+              <a:ext uri="{FF2B5EF4-FFF2-40B4-BE49-F238E27FC236}">
+                <a16:creationId xmlns:a16="http://schemas.microsoft.com/office/drawing/2014/main" id="{77BEFB2E-4CE3-921F-C625-708885EF0780}"/>
               </a:ext>
             </a:extLst>
           </p:cNvPr>
@@ -4797,18 +5494,18 @@
         </p:nvGrpSpPr>
         <p:grpSpPr>
           <a:xfrm>
-            <a:off x="1078605" y="4400710"/>
-            <a:ext cx="5212083" cy="1796754"/>
-            <a:chOff x="883917" y="2098766"/>
-            <a:chExt cx="5212083" cy="1796754"/>
+            <a:off x="1078605" y="4367053"/>
+            <a:ext cx="7048739" cy="1830411"/>
+            <a:chOff x="1078605" y="4367053"/>
+            <a:chExt cx="7048739" cy="1830411"/>
           </a:xfrm>
         </p:grpSpPr>
         <p:grpSp>
           <p:nvGrpSpPr>
-            <p:cNvPr id="36" name="Group 35">
+            <p:cNvPr id="10" name="Group 9">
               <a:extLst>
                 <a:ext uri="{FF2B5EF4-FFF2-40B4-BE49-F238E27FC236}">
-                  <a16:creationId xmlns:a16="http://schemas.microsoft.com/office/drawing/2014/main" id="{B62CBA71-7130-585F-0C2A-81A53E5DF793}"/>
+                  <a16:creationId xmlns:a16="http://schemas.microsoft.com/office/drawing/2014/main" id="{DE6C8688-A2FD-4DD3-938C-C313667288CB}"/>
                 </a:ext>
               </a:extLst>
             </p:cNvPr>
@@ -4817,70 +5514,308 @@
           </p:nvGrpSpPr>
           <p:grpSpPr>
             <a:xfrm>
-              <a:off x="883917" y="2098766"/>
-              <a:ext cx="5212083" cy="1796754"/>
-              <a:chOff x="1389015" y="2786743"/>
-              <a:chExt cx="5212083" cy="1796754"/>
+              <a:off x="1078605" y="4367053"/>
+              <a:ext cx="7048739" cy="1830411"/>
+              <a:chOff x="883917" y="2065109"/>
+              <a:chExt cx="7048739" cy="1830411"/>
             </a:xfrm>
           </p:grpSpPr>
-          <p:sp>
-            <p:nvSpPr>
-              <p:cNvPr id="38" name="Rectangle 37">
+          <p:grpSp>
+            <p:nvGrpSpPr>
+              <p:cNvPr id="13" name="Group 12">
                 <a:extLst>
                   <a:ext uri="{FF2B5EF4-FFF2-40B4-BE49-F238E27FC236}">
-                    <a16:creationId xmlns:a16="http://schemas.microsoft.com/office/drawing/2014/main" id="{2CD7E20A-ABA4-7B29-D81C-626F2DD4FD55}"/>
+                    <a16:creationId xmlns:a16="http://schemas.microsoft.com/office/drawing/2014/main" id="{9C81F94C-DD8D-B496-5AF5-B41F161E8A1D}"/>
                   </a:ext>
                 </a:extLst>
               </p:cNvPr>
-              <p:cNvSpPr/>
+              <p:cNvGrpSpPr/>
               <p:nvPr/>
-            </p:nvSpPr>
-            <p:spPr>
+            </p:nvGrpSpPr>
+            <p:grpSpPr>
               <a:xfrm>
-                <a:off x="1454331" y="2786743"/>
-                <a:ext cx="1306286" cy="1796754"/>
+                <a:off x="883917" y="2065109"/>
+                <a:ext cx="5212083" cy="1830411"/>
+                <a:chOff x="1389015" y="2753086"/>
+                <a:chExt cx="5212083" cy="1830411"/>
               </a:xfrm>
-              <a:prstGeom prst="rect">
-                <a:avLst/>
-              </a:prstGeom>
-              <a:solidFill>
-                <a:srgbClr val="FAD9C2"/>
-              </a:solidFill>
-              <a:ln>
+            </p:grpSpPr>
+            <p:sp>
+              <p:nvSpPr>
+                <p:cNvPr id="15" name="Rectangle 14">
+                  <a:extLst>
+                    <a:ext uri="{FF2B5EF4-FFF2-40B4-BE49-F238E27FC236}">
+                      <a16:creationId xmlns:a16="http://schemas.microsoft.com/office/drawing/2014/main" id="{3BE48681-76D5-A681-12D6-125F2ECCA3D6}"/>
+                    </a:ext>
+                  </a:extLst>
+                </p:cNvPr>
+                <p:cNvSpPr/>
+                <p:nvPr/>
+              </p:nvSpPr>
+              <p:spPr>
+                <a:xfrm>
+                  <a:off x="1454331" y="2786743"/>
+                  <a:ext cx="1306286" cy="1796754"/>
+                </a:xfrm>
+                <a:prstGeom prst="rect">
+                  <a:avLst/>
+                </a:prstGeom>
+                <a:solidFill>
+                  <a:srgbClr val="FAD9C2"/>
+                </a:solidFill>
+                <a:ln>
+                  <a:noFill/>
+                </a:ln>
+              </p:spPr>
+              <p:style>
+                <a:lnRef idx="2">
+                  <a:schemeClr val="accent1">
+                    <a:shade val="15000"/>
+                  </a:schemeClr>
+                </a:lnRef>
+                <a:fillRef idx="1">
+                  <a:schemeClr val="accent1"/>
+                </a:fillRef>
+                <a:effectRef idx="0">
+                  <a:schemeClr val="accent1"/>
+                </a:effectRef>
+                <a:fontRef idx="minor">
+                  <a:schemeClr val="lt1"/>
+                </a:fontRef>
+              </p:style>
+              <p:txBody>
+                <a:bodyPr rtlCol="0" anchor="ctr"/>
+                <a:lstStyle/>
+                <a:p>
+                  <a:pPr algn="ctr"/>
+                  <a:endParaRPr lang="LID4096"/>
+                </a:p>
+              </p:txBody>
+            </p:sp>
+            <p:sp>
+              <p:nvSpPr>
+                <p:cNvPr id="16" name="TextBox 15">
+                  <a:extLst>
+                    <a:ext uri="{FF2B5EF4-FFF2-40B4-BE49-F238E27FC236}">
+                      <a16:creationId xmlns:a16="http://schemas.microsoft.com/office/drawing/2014/main" id="{74BFAF26-AEC4-0829-16F0-66EC65B0DA71}"/>
+                    </a:ext>
+                  </a:extLst>
+                </p:cNvPr>
+                <p:cNvSpPr txBox="1"/>
+                <p:nvPr/>
+              </p:nvSpPr>
+              <p:spPr>
+                <a:xfrm>
+                  <a:off x="1389015" y="2753086"/>
+                  <a:ext cx="5212083" cy="1754326"/>
+                </a:xfrm>
+                <a:prstGeom prst="rect">
+                  <a:avLst/>
+                </a:prstGeom>
                 <a:noFill/>
-              </a:ln>
-            </p:spPr>
-            <p:style>
-              <a:lnRef idx="2">
-                <a:schemeClr val="accent1">
-                  <a:shade val="15000"/>
-                </a:schemeClr>
-              </a:lnRef>
-              <a:fillRef idx="1">
-                <a:schemeClr val="accent1"/>
-              </a:fillRef>
-              <a:effectRef idx="0">
-                <a:schemeClr val="accent1"/>
-              </a:effectRef>
-              <a:fontRef idx="minor">
-                <a:schemeClr val="lt1"/>
-              </a:fontRef>
-            </p:style>
-            <p:txBody>
-              <a:bodyPr rtlCol="0" anchor="ctr"/>
-              <a:lstStyle/>
-              <a:p>
-                <a:pPr algn="ctr"/>
-                <a:endParaRPr lang="LID4096"/>
-              </a:p>
-            </p:txBody>
-          </p:sp>
+              </p:spPr>
+              <p:txBody>
+                <a:bodyPr wrap="square">
+                  <a:spAutoFit/>
+                </a:bodyPr>
+                <a:lstStyle/>
+                <a:p>
+                  <a:r>
+                    <a:rPr lang="LID4096" dirty="0"/>
+                    <a:t>fpm.Modflow</a:t>
+                  </a:r>
+                  <a:r>
+                    <a:rPr lang="pt-BR" dirty="0"/>
+                    <a:t>  </a:t>
+                  </a:r>
+                  <a:r>
+                    <a:rPr lang="LID4096" dirty="0">
+                      <a:solidFill>
+                        <a:srgbClr val="0000FF"/>
+                      </a:solidFill>
+                    </a:rPr>
+                    <a:t>Dis</a:t>
+                  </a:r>
+                  <a:endParaRPr lang="pt-BR" dirty="0"/>
+                </a:p>
+                <a:p>
+                  <a:r>
+                    <a:rPr lang="LID4096" dirty="0"/>
+                    <a:t>fpm.Modflow</a:t>
+                  </a:r>
+                  <a:r>
+                    <a:rPr lang="pt-BR" dirty="0"/>
+                    <a:t> </a:t>
+                  </a:r>
+                  <a:r>
+                    <a:rPr lang="pt-BR" dirty="0">
+                      <a:solidFill>
+                        <a:srgbClr val="0000FF"/>
+                      </a:solidFill>
+                    </a:rPr>
+                    <a:t> </a:t>
+                  </a:r>
+                  <a:r>
+                    <a:rPr lang="LID4096" dirty="0">
+                      <a:solidFill>
+                        <a:srgbClr val="0000FF"/>
+                      </a:solidFill>
+                    </a:rPr>
+                    <a:t>Bas</a:t>
+                  </a:r>
+                  <a:r>
+                    <a:rPr lang="pt-BR" dirty="0">
+                      <a:solidFill>
+                        <a:srgbClr val="0000FF"/>
+                      </a:solidFill>
+                    </a:rPr>
+                    <a:t> </a:t>
+                  </a:r>
+                  <a:r>
+                    <a:rPr lang="LID4096" dirty="0"/>
+                    <a:t>(model, ibound=ibound, strt=20)        fpm.Modflow</a:t>
+                  </a:r>
+                  <a:r>
+                    <a:rPr lang="pt-BR" dirty="0"/>
+                    <a:t>  </a:t>
+                  </a:r>
+                  <a:r>
+                    <a:rPr lang="LID4096" dirty="0">
+                      <a:solidFill>
+                        <a:srgbClr val="0000FF"/>
+                      </a:solidFill>
+                    </a:rPr>
+                    <a:t>Lpf</a:t>
+                  </a:r>
+                  <a:r>
+                    <a:rPr lang="pt-BR" dirty="0">
+                      <a:solidFill>
+                        <a:srgbClr val="0000FF"/>
+                      </a:solidFill>
+                    </a:rPr>
+                    <a:t>  </a:t>
+                  </a:r>
+                  <a:r>
+                    <a:rPr lang="LID4096" dirty="0">
+                      <a:solidFill>
+                        <a:srgbClr val="0000FF"/>
+                      </a:solidFill>
+                    </a:rPr>
+                    <a:t>(model, hk=10, laytyp=1)        </a:t>
+                  </a:r>
+                  <a:r>
+                    <a:rPr lang="LID4096" dirty="0"/>
+                    <a:t>fpm.Modflow</a:t>
+                  </a:r>
+                  <a:r>
+                    <a:rPr lang="pt-BR" dirty="0"/>
+                    <a:t>  </a:t>
+                  </a:r>
+                  <a:r>
+                    <a:rPr lang="LID4096" dirty="0">
+                      <a:solidFill>
+                        <a:srgbClr val="0000FF"/>
+                      </a:solidFill>
+                    </a:rPr>
+                    <a:t>Wel</a:t>
+                  </a:r>
+                  <a:r>
+                    <a:rPr lang="pt-BR" dirty="0">
+                      <a:solidFill>
+                        <a:srgbClr val="0000FF"/>
+                      </a:solidFill>
+                    </a:rPr>
+                    <a:t> </a:t>
+                  </a:r>
+                  <a:r>
+                    <a:rPr lang="LID4096" dirty="0">
+                      <a:solidFill>
+                        <a:srgbClr val="0000FF"/>
+                      </a:solidFill>
+                    </a:rPr>
+                    <a:t>(model, stress_period_data=lrcQ)        </a:t>
+                  </a:r>
+                  <a:r>
+                    <a:rPr lang="LID4096" dirty="0"/>
+                    <a:t>fpm.Modflow</a:t>
+                  </a:r>
+                  <a:r>
+                    <a:rPr lang="pt-BR" dirty="0"/>
+                    <a:t>  </a:t>
+                  </a:r>
+                  <a:r>
+                    <a:rPr lang="LID4096" dirty="0">
+                      <a:solidFill>
+                        <a:srgbClr val="0000FF"/>
+                      </a:solidFill>
+                    </a:rPr>
+                    <a:t>Pcg</a:t>
+                  </a:r>
+                  <a:r>
+                    <a:rPr lang="pt-BR" dirty="0">
+                      <a:solidFill>
+                        <a:srgbClr val="0000FF"/>
+                      </a:solidFill>
+                    </a:rPr>
+                    <a:t>  </a:t>
+                  </a:r>
+                  <a:r>
+                    <a:rPr lang="LID4096" dirty="0">
+                      <a:solidFill>
+                        <a:srgbClr val="0000FF"/>
+                      </a:solidFill>
+                    </a:rPr>
+                    <a:t>(model)        </a:t>
+                  </a:r>
+                  <a:endParaRPr lang="pt-BR" dirty="0">
+                    <a:solidFill>
+                      <a:srgbClr val="0000FF"/>
+                    </a:solidFill>
+                  </a:endParaRPr>
+                </a:p>
+                <a:p>
+                  <a:r>
+                    <a:rPr lang="LID4096" dirty="0"/>
+                    <a:t>fpm.Modflow</a:t>
+                  </a:r>
+                  <a:r>
+                    <a:rPr lang="pt-BR" dirty="0"/>
+                    <a:t>  </a:t>
+                  </a:r>
+                  <a:r>
+                    <a:rPr lang="LID4096" dirty="0">
+                      <a:solidFill>
+                        <a:srgbClr val="0000FF"/>
+                      </a:solidFill>
+                    </a:rPr>
+                    <a:t>Oc</a:t>
+                  </a:r>
+                  <a:r>
+                    <a:rPr lang="pt-BR" dirty="0">
+                      <a:solidFill>
+                        <a:srgbClr val="0000FF"/>
+                      </a:solidFill>
+                    </a:rPr>
+                    <a:t>   </a:t>
+                  </a:r>
+                  <a:r>
+                    <a:rPr lang="LID4096" dirty="0">
+                      <a:solidFill>
+                        <a:srgbClr val="0000FF"/>
+                      </a:solidFill>
+                    </a:rPr>
+                    <a:t>(model)</a:t>
+                  </a:r>
+                </a:p>
+              </p:txBody>
+            </p:sp>
+          </p:grpSp>
           <p:sp>
             <p:nvSpPr>
-              <p:cNvPr id="39" name="TextBox 38">
+              <p:cNvPr id="14" name="TextBox 13">
                 <a:extLst>
                   <a:ext uri="{FF2B5EF4-FFF2-40B4-BE49-F238E27FC236}">
-                    <a16:creationId xmlns:a16="http://schemas.microsoft.com/office/drawing/2014/main" id="{24F14EEA-23F5-0446-2A60-9C72C459650A}"/>
+                    <a16:creationId xmlns:a16="http://schemas.microsoft.com/office/drawing/2014/main" id="{0EB5F50C-EE9B-78CD-DDCA-DFDAA10B8544}"/>
                   </a:ext>
                 </a:extLst>
               </p:cNvPr>
@@ -4889,13 +5824,18 @@
             </p:nvSpPr>
             <p:spPr>
               <a:xfrm>
-                <a:off x="1389015" y="3106169"/>
-                <a:ext cx="5212083" cy="1477328"/>
+                <a:off x="5690199" y="3524419"/>
+                <a:ext cx="2242457" cy="261610"/>
               </a:xfrm>
               <a:prstGeom prst="rect">
                 <a:avLst/>
               </a:prstGeom>
               <a:noFill/>
+              <a:ln>
+                <a:solidFill>
+                  <a:schemeClr val="tx1"/>
+                </a:solidFill>
+              </a:ln>
             </p:spPr>
             <p:txBody>
               <a:bodyPr wrap="square">
@@ -4904,171 +5844,8 @@
               <a:lstStyle/>
               <a:p>
                 <a:r>
-                  <a:rPr lang="LID4096" dirty="0"/>
-                  <a:t>fpm.Modflow</a:t>
-                </a:r>
-                <a:r>
-                  <a:rPr lang="pt-BR" dirty="0"/>
-                  <a:t> </a:t>
-                </a:r>
-                <a:r>
-                  <a:rPr lang="pt-BR" dirty="0">
-                    <a:solidFill>
-                      <a:srgbClr val="0000FF"/>
-                    </a:solidFill>
-                  </a:rPr>
-                  <a:t> </a:t>
-                </a:r>
-                <a:r>
-                  <a:rPr lang="LID4096" dirty="0">
-                    <a:solidFill>
-                      <a:srgbClr val="0000FF"/>
-                    </a:solidFill>
-                  </a:rPr>
-                  <a:t>Bas</a:t>
-                </a:r>
-                <a:r>
-                  <a:rPr lang="pt-BR" dirty="0">
-                    <a:solidFill>
-                      <a:srgbClr val="0000FF"/>
-                    </a:solidFill>
-                  </a:rPr>
-                  <a:t> </a:t>
-                </a:r>
-                <a:r>
-                  <a:rPr lang="LID4096" dirty="0"/>
-                  <a:t>(model, ibound=ibound, strt=20)        fpm.Modflow</a:t>
-                </a:r>
-                <a:r>
-                  <a:rPr lang="pt-BR" dirty="0"/>
-                  <a:t>  </a:t>
-                </a:r>
-                <a:r>
-                  <a:rPr lang="LID4096" dirty="0">
-                    <a:solidFill>
-                      <a:srgbClr val="0000FF"/>
-                    </a:solidFill>
-                  </a:rPr>
-                  <a:t>Lpf</a:t>
-                </a:r>
-                <a:r>
-                  <a:rPr lang="pt-BR" dirty="0">
-                    <a:solidFill>
-                      <a:srgbClr val="0000FF"/>
-                    </a:solidFill>
-                  </a:rPr>
-                  <a:t>  </a:t>
-                </a:r>
-                <a:r>
-                  <a:rPr lang="LID4096" dirty="0">
-                    <a:solidFill>
-                      <a:srgbClr val="0000FF"/>
-                    </a:solidFill>
-                  </a:rPr>
-                  <a:t>(model, hk=10, laytyp=1)        </a:t>
-                </a:r>
-                <a:r>
-                  <a:rPr lang="LID4096" dirty="0"/>
-                  <a:t>fpm.Modflow</a:t>
-                </a:r>
-                <a:r>
-                  <a:rPr lang="pt-BR" dirty="0"/>
-                  <a:t>  </a:t>
-                </a:r>
-                <a:r>
-                  <a:rPr lang="LID4096" dirty="0">
-                    <a:solidFill>
-                      <a:srgbClr val="0000FF"/>
-                    </a:solidFill>
-                  </a:rPr>
-                  <a:t>Wel</a:t>
-                </a:r>
-                <a:r>
-                  <a:rPr lang="pt-BR" dirty="0">
-                    <a:solidFill>
-                      <a:srgbClr val="0000FF"/>
-                    </a:solidFill>
-                  </a:rPr>
-                  <a:t> </a:t>
-                </a:r>
-                <a:r>
-                  <a:rPr lang="LID4096" dirty="0">
-                    <a:solidFill>
-                      <a:srgbClr val="0000FF"/>
-                    </a:solidFill>
-                  </a:rPr>
-                  <a:t>(model, stress_period_data=lrcQ)        </a:t>
-                </a:r>
-                <a:r>
-                  <a:rPr lang="LID4096" dirty="0"/>
-                  <a:t>fpm.Modflow</a:t>
-                </a:r>
-                <a:r>
-                  <a:rPr lang="pt-BR" dirty="0"/>
-                  <a:t>  </a:t>
-                </a:r>
-                <a:r>
-                  <a:rPr lang="LID4096" dirty="0">
-                    <a:solidFill>
-                      <a:srgbClr val="0000FF"/>
-                    </a:solidFill>
-                  </a:rPr>
-                  <a:t>Pcg</a:t>
-                </a:r>
-                <a:r>
-                  <a:rPr lang="pt-BR" dirty="0">
-                    <a:solidFill>
-                      <a:srgbClr val="0000FF"/>
-                    </a:solidFill>
-                  </a:rPr>
-                  <a:t>  </a:t>
-                </a:r>
-                <a:r>
-                  <a:rPr lang="LID4096" dirty="0">
-                    <a:solidFill>
-                      <a:srgbClr val="0000FF"/>
-                    </a:solidFill>
-                  </a:rPr>
-                  <a:t>(model)        </a:t>
-                </a:r>
-                <a:endParaRPr lang="pt-BR" dirty="0">
-                  <a:solidFill>
-                    <a:srgbClr val="0000FF"/>
-                  </a:solidFill>
-                </a:endParaRPr>
-              </a:p>
-              <a:p>
-                <a:r>
-                  <a:rPr lang="LID4096" dirty="0"/>
-                  <a:t>fpm.Modflow</a:t>
-                </a:r>
-                <a:r>
-                  <a:rPr lang="pt-BR" dirty="0"/>
-                  <a:t>  </a:t>
-                </a:r>
-                <a:r>
-                  <a:rPr lang="LID4096" dirty="0">
-                    <a:solidFill>
-                      <a:srgbClr val="0000FF"/>
-                    </a:solidFill>
-                  </a:rPr>
-                  <a:t>Oc</a:t>
-                </a:r>
-                <a:r>
-                  <a:rPr lang="pt-BR" dirty="0">
-                    <a:solidFill>
-                      <a:srgbClr val="0000FF"/>
-                    </a:solidFill>
-                  </a:rPr>
-                  <a:t>   </a:t>
-                </a:r>
-                <a:r>
-                  <a:rPr lang="LID4096" dirty="0">
-                    <a:solidFill>
-                      <a:srgbClr val="0000FF"/>
-                    </a:solidFill>
-                  </a:rPr>
-                  <a:t>(model)</a:t>
+                  <a:rPr lang="LID4096" sz="1100" dirty="0"/>
+                  <a:t>09_groundwater_paper_example_1</a:t>
                 </a:r>
               </a:p>
             </p:txBody>
@@ -5076,10 +5853,10 @@
         </p:grpSp>
         <p:sp>
           <p:nvSpPr>
-            <p:cNvPr id="37" name="TextBox 36">
+            <p:cNvPr id="9" name="TextBox 8">
               <a:extLst>
                 <a:ext uri="{FF2B5EF4-FFF2-40B4-BE49-F238E27FC236}">
-                  <a16:creationId xmlns:a16="http://schemas.microsoft.com/office/drawing/2014/main" id="{3ECFF1B4-B114-877F-1D7E-F8F49C2AE038}"/>
+                  <a16:creationId xmlns:a16="http://schemas.microsoft.com/office/drawing/2014/main" id="{6AE6033B-A366-26A0-526B-48037A831574}"/>
                 </a:ext>
               </a:extLst>
             </p:cNvPr>
@@ -5088,18 +5865,13 @@
           </p:nvSpPr>
           <p:spPr>
             <a:xfrm>
-              <a:off x="3685901" y="3471486"/>
-              <a:ext cx="2242457" cy="261610"/>
+              <a:off x="1078605" y="4459196"/>
+              <a:ext cx="6120142" cy="369332"/>
             </a:xfrm>
             <a:prstGeom prst="rect">
               <a:avLst/>
             </a:prstGeom>
             <a:noFill/>
-            <a:ln>
-              <a:solidFill>
-                <a:schemeClr val="tx1"/>
-              </a:solidFill>
-            </a:ln>
           </p:spPr>
           <p:txBody>
             <a:bodyPr wrap="square">
@@ -5107,20 +5879,21 @@
             </a:bodyPr>
             <a:lstStyle/>
             <a:p>
-              <a:r>
-                <a:rPr lang="LID4096" sz="1100" dirty="0"/>
-                <a:t>09_groundwater_paper_example_1</a:t>
-              </a:r>
+              <a:endParaRPr lang="LID4096" dirty="0">
+                <a:solidFill>
+                  <a:srgbClr val="0000FF"/>
+                </a:solidFill>
+              </a:endParaRPr>
             </a:p>
           </p:txBody>
         </p:sp>
       </p:grpSp>
       <p:sp>
         <p:nvSpPr>
-          <p:cNvPr id="40" name="TextBox 39">
-            <a:extLst>
-              <a:ext uri="{FF2B5EF4-FFF2-40B4-BE49-F238E27FC236}">
-                <a16:creationId xmlns:a16="http://schemas.microsoft.com/office/drawing/2014/main" id="{505DF00E-4035-7FC5-D0FC-4B2596BC3B67}"/>
+          <p:cNvPr id="19" name="TextBox 18">
+            <a:extLst>
+              <a:ext uri="{FF2B5EF4-FFF2-40B4-BE49-F238E27FC236}">
+                <a16:creationId xmlns:a16="http://schemas.microsoft.com/office/drawing/2014/main" id="{5AFBE44C-919F-C63E-EBBB-47B9886AA555}"/>
               </a:ext>
             </a:extLst>
           </p:cNvPr>
@@ -5129,13 +5902,17 @@
         </p:nvSpPr>
         <p:spPr>
           <a:xfrm>
-            <a:off x="1078605" y="4459196"/>
-            <a:ext cx="6120142" cy="369332"/>
+            <a:off x="645255" y="4400710"/>
+            <a:ext cx="433350" cy="1754326"/>
           </a:xfrm>
           <a:prstGeom prst="rect">
             <a:avLst/>
           </a:prstGeom>
-          <a:noFill/>
+          <a:solidFill>
+            <a:schemeClr val="bg1">
+              <a:lumMod val="85000"/>
+            </a:schemeClr>
+          </a:solidFill>
         </p:spPr>
         <p:txBody>
           <a:bodyPr wrap="square">
@@ -5144,279 +5921,40 @@
           <a:lstStyle/>
           <a:p>
             <a:r>
-              <a:rPr lang="LID4096" dirty="0"/>
-              <a:t>fpm.Modflow</a:t>
-            </a:r>
-            <a:r>
               <a:rPr lang="pt-BR" dirty="0"/>
-              <a:t>  </a:t>
-            </a:r>
-            <a:r>
-              <a:rPr lang="LID4096" dirty="0">
-                <a:solidFill>
-                  <a:srgbClr val="0000FF"/>
-                </a:solidFill>
-              </a:rPr>
-              <a:t>Dis</a:t>
-            </a:r>
-          </a:p>
-        </p:txBody>
-      </p:sp>
-      <p:sp>
-        <p:nvSpPr>
-          <p:cNvPr id="42" name="TextBox 41">
-            <a:extLst>
-              <a:ext uri="{FF2B5EF4-FFF2-40B4-BE49-F238E27FC236}">
-                <a16:creationId xmlns:a16="http://schemas.microsoft.com/office/drawing/2014/main" id="{DCA5FE18-776A-017E-2A6E-791001D37520}"/>
-              </a:ext>
-            </a:extLst>
-          </p:cNvPr>
-          <p:cNvSpPr txBox="1"/>
-          <p:nvPr/>
-        </p:nvSpPr>
-        <p:spPr>
-          <a:xfrm>
-            <a:off x="4735755" y="88891"/>
-            <a:ext cx="7549797" cy="523220"/>
-          </a:xfrm>
-          <a:prstGeom prst="rect">
-            <a:avLst/>
-          </a:prstGeom>
-          <a:noFill/>
-        </p:spPr>
-        <p:txBody>
-          <a:bodyPr wrap="square">
-            <a:spAutoFit/>
-          </a:bodyPr>
-          <a:lstStyle/>
-          <a:p>
-            <a:r>
-              <a:rPr lang="LID4096" sz="2800" b="1" dirty="0"/>
-              <a:t>https://flopy.readthedocs.io/en/latest/code.html</a:t>
-            </a:r>
-          </a:p>
-        </p:txBody>
-      </p:sp>
-      <p:sp>
-        <p:nvSpPr>
-          <p:cNvPr id="3" name="TextBox 2">
-            <a:extLst>
-              <a:ext uri="{FF2B5EF4-FFF2-40B4-BE49-F238E27FC236}">
-                <a16:creationId xmlns:a16="http://schemas.microsoft.com/office/drawing/2014/main" id="{B6369578-36F8-483D-6A4A-E4E8EB599582}"/>
-              </a:ext>
-            </a:extLst>
-          </p:cNvPr>
-          <p:cNvSpPr txBox="1"/>
-          <p:nvPr/>
-        </p:nvSpPr>
-        <p:spPr>
-          <a:xfrm>
-            <a:off x="189900" y="1336218"/>
-            <a:ext cx="9623834" cy="923330"/>
-          </a:xfrm>
-          <a:prstGeom prst="rect">
-            <a:avLst/>
-          </a:prstGeom>
-          <a:noFill/>
-          <a:ln>
-            <a:solidFill>
-              <a:schemeClr val="tx1"/>
-            </a:solidFill>
-          </a:ln>
-        </p:spPr>
-        <p:txBody>
-          <a:bodyPr wrap="square">
-            <a:spAutoFit/>
-          </a:bodyPr>
-          <a:lstStyle/>
-          <a:p>
-            <a:r>
-              <a:rPr lang="LID4096" dirty="0"/>
-              <a:t>wsl = data_path / "uspb" / "flopy“</a:t>
-            </a:r>
-            <a:endParaRPr lang="pt-BR" dirty="0"/>
-          </a:p>
-          <a:p>
+              <a:t>01</a:t>
+            </a:r>
+          </a:p>
+          <a:p>
+            <a:r>
+              <a:rPr lang="pt-BR" dirty="0"/>
+              <a:t>02</a:t>
+            </a:r>
+          </a:p>
+          <a:p>
+            <a:r>
+              <a:rPr lang="pt-BR" dirty="0"/>
+              <a:t>03</a:t>
+            </a:r>
+          </a:p>
+          <a:p>
+            <a:r>
+              <a:rPr lang="pt-BR" dirty="0"/>
+              <a:t>04</a:t>
+            </a:r>
+          </a:p>
+          <a:p>
+            <a:r>
+              <a:rPr lang="pt-BR" dirty="0"/>
+              <a:t>05</a:t>
+            </a:r>
+          </a:p>
+          <a:p>
+            <a:r>
+              <a:rPr lang="pt-BR" dirty="0"/>
+              <a:t>06</a:t>
+            </a:r>
             <a:endParaRPr lang="LID4096" dirty="0"/>
-          </a:p>
-          <a:p>
-            <a:r>
-              <a:rPr lang="LID4096" dirty="0"/>
-              <a:t>ml = flopy.</a:t>
-            </a:r>
-            <a:r>
-              <a:rPr lang="LID4096" dirty="0">
-                <a:solidFill>
-                  <a:srgbClr val="FF0000"/>
-                </a:solidFill>
-              </a:rPr>
-              <a:t>modflow.Modflow</a:t>
-            </a:r>
-            <a:r>
-              <a:rPr lang="LID4096" dirty="0"/>
-              <a:t>.</a:t>
-            </a:r>
-            <a:r>
-              <a:rPr lang="LID4096" b="1" dirty="0">
-                <a:solidFill>
-                  <a:srgbClr val="0000FF"/>
-                </a:solidFill>
-              </a:rPr>
-              <a:t>load</a:t>
-            </a:r>
-            <a:r>
-              <a:rPr lang="LID4096" dirty="0"/>
-              <a:t>("DG.nam", model_ws=wsl, verbose=False)</a:t>
-            </a:r>
-          </a:p>
-        </p:txBody>
-      </p:sp>
-      <p:sp>
-        <p:nvSpPr>
-          <p:cNvPr id="2" name="TextBox 1">
-            <a:extLst>
-              <a:ext uri="{FF2B5EF4-FFF2-40B4-BE49-F238E27FC236}">
-                <a16:creationId xmlns:a16="http://schemas.microsoft.com/office/drawing/2014/main" id="{64AE55E8-5A76-940B-0240-C8CFC4102177}"/>
-              </a:ext>
-            </a:extLst>
-          </p:cNvPr>
-          <p:cNvSpPr txBox="1"/>
-          <p:nvPr/>
-        </p:nvSpPr>
-        <p:spPr>
-          <a:xfrm>
-            <a:off x="5837109" y="6135238"/>
-            <a:ext cx="6097508" cy="646331"/>
-          </a:xfrm>
-          <a:prstGeom prst="rect">
-            <a:avLst/>
-          </a:prstGeom>
-          <a:noFill/>
-        </p:spPr>
-        <p:txBody>
-          <a:bodyPr wrap="square">
-            <a:spAutoFit/>
-          </a:bodyPr>
-          <a:lstStyle/>
-          <a:p>
-            <a:r>
-              <a:rPr lang="LID4096" dirty="0">
-                <a:solidFill>
-                  <a:srgbClr val="FF0000"/>
-                </a:solidFill>
-              </a:rPr>
-              <a:t>riv_dtype = </a:t>
-            </a:r>
-            <a:r>
-              <a:rPr lang="LID4096" dirty="0"/>
-              <a:t>flopy.</a:t>
-            </a:r>
-            <a:r>
-              <a:rPr lang="LID4096" dirty="0">
-                <a:solidFill>
-                  <a:srgbClr val="FF0000"/>
-                </a:solidFill>
-              </a:rPr>
-              <a:t>mf</a:t>
-            </a:r>
-            <a:r>
-              <a:rPr lang="pt-BR" dirty="0">
-                <a:solidFill>
-                  <a:srgbClr val="FF0000"/>
-                </a:solidFill>
-              </a:rPr>
-              <a:t>6</a:t>
-            </a:r>
-            <a:r>
-              <a:rPr lang="LID4096" dirty="0">
-                <a:solidFill>
-                  <a:srgbClr val="FF0000"/>
-                </a:solidFill>
-              </a:rPr>
-              <a:t>.Modflow</a:t>
-            </a:r>
-            <a:r>
-              <a:rPr lang="pt-BR" dirty="0">
-                <a:solidFill>
-                  <a:srgbClr val="FF0000"/>
-                </a:solidFill>
-              </a:rPr>
-              <a:t>CHD</a:t>
-            </a:r>
-            <a:r>
-              <a:rPr lang="LID4096" dirty="0"/>
-              <a:t>.get_default_dtype()</a:t>
-            </a:r>
-          </a:p>
-          <a:p>
-            <a:r>
-              <a:rPr lang="LID4096" dirty="0">
-                <a:solidFill>
-                  <a:srgbClr val="FF0000"/>
-                </a:solidFill>
-              </a:rPr>
-              <a:t>print(</a:t>
-            </a:r>
-            <a:r>
-              <a:rPr lang="pt-BR" dirty="0">
-                <a:solidFill>
-                  <a:srgbClr val="FF0000"/>
-                </a:solidFill>
-              </a:rPr>
-              <a:t>CHD</a:t>
-            </a:r>
-            <a:r>
-              <a:rPr lang="LID4096" dirty="0">
-                <a:solidFill>
-                  <a:srgbClr val="FF0000"/>
-                </a:solidFill>
-              </a:rPr>
-              <a:t>_dtype)</a:t>
-            </a:r>
-          </a:p>
-        </p:txBody>
-      </p:sp>
-      <p:sp>
-        <p:nvSpPr>
-          <p:cNvPr id="4" name="TextBox 3">
-            <a:extLst>
-              <a:ext uri="{FF2B5EF4-FFF2-40B4-BE49-F238E27FC236}">
-                <a16:creationId xmlns:a16="http://schemas.microsoft.com/office/drawing/2014/main" id="{702B578E-7770-E74E-ABD8-EB22DE83D904}"/>
-              </a:ext>
-            </a:extLst>
-          </p:cNvPr>
-          <p:cNvSpPr txBox="1"/>
-          <p:nvPr/>
-        </p:nvSpPr>
-        <p:spPr>
-          <a:xfrm>
-            <a:off x="5373873" y="6273737"/>
-            <a:ext cx="845858" cy="369332"/>
-          </a:xfrm>
-          <a:prstGeom prst="rect">
-            <a:avLst/>
-          </a:prstGeom>
-          <a:noFill/>
-        </p:spPr>
-        <p:txBody>
-          <a:bodyPr wrap="square">
-            <a:spAutoFit/>
-          </a:bodyPr>
-          <a:lstStyle/>
-          <a:p>
-            <a:r>
-              <a:rPr lang="pt-BR" dirty="0">
-                <a:solidFill>
-                  <a:srgbClr val="FF0000"/>
-                </a:solidFill>
-              </a:rPr>
-              <a:t>?</a:t>
-            </a:r>
-            <a:endParaRPr lang="LID4096" dirty="0">
-              <a:solidFill>
-                <a:srgbClr val="FF0000"/>
-              </a:solidFill>
-            </a:endParaRPr>
           </a:p>
         </p:txBody>
       </p:sp>
@@ -5582,7 +6120,11 @@
           <a:prstGeom prst="rect">
             <a:avLst/>
           </a:prstGeom>
-          <a:noFill/>
+          <a:solidFill>
+            <a:schemeClr val="bg1">
+              <a:lumMod val="95000"/>
+            </a:schemeClr>
+          </a:solidFill>
           <a:ln>
             <a:solidFill>
               <a:schemeClr val="tx1"/>
@@ -5596,10 +6138,18 @@
           <a:lstStyle/>
           <a:p>
             <a:r>
-              <a:rPr lang="LID4096" dirty="0"/>
+              <a:rPr lang="LID4096" dirty="0">
+                <a:solidFill>
+                  <a:srgbClr val="00B050"/>
+                </a:solidFill>
+              </a:rPr>
               <a:t>wsl = data_path / "uspb" / "flopy“</a:t>
             </a:r>
-            <a:endParaRPr lang="pt-BR" dirty="0"/>
+            <a:endParaRPr lang="pt-BR" dirty="0">
+              <a:solidFill>
+                <a:srgbClr val="00B050"/>
+              </a:solidFill>
+            </a:endParaRPr>
           </a:p>
           <a:p>
             <a:endParaRPr lang="LID4096" dirty="0"/>
@@ -6322,10 +6872,10 @@
       </p:sp>
       <p:sp>
         <p:nvSpPr>
-          <p:cNvPr id="31" name="TextBox 30">
-            <a:extLst>
-              <a:ext uri="{FF2B5EF4-FFF2-40B4-BE49-F238E27FC236}">
-                <a16:creationId xmlns:a16="http://schemas.microsoft.com/office/drawing/2014/main" id="{87CDE2AD-9003-7462-7DCD-D2CA5679DE2B}"/>
+          <p:cNvPr id="3" name="TextBox 2">
+            <a:extLst>
+              <a:ext uri="{FF2B5EF4-FFF2-40B4-BE49-F238E27FC236}">
+                <a16:creationId xmlns:a16="http://schemas.microsoft.com/office/drawing/2014/main" id="{59E5FAC2-C9E9-1DAD-0157-1EEEF4AD978C}"/>
               </a:ext>
             </a:extLst>
           </p:cNvPr>
@@ -6334,13 +6884,18 @@
         </p:nvSpPr>
         <p:spPr>
           <a:xfrm>
-            <a:off x="-25010" y="36361"/>
-            <a:ext cx="6228784" cy="369332"/>
+            <a:off x="9265920" y="2520653"/>
+            <a:ext cx="2159726" cy="369332"/>
           </a:xfrm>
           <a:prstGeom prst="rect">
             <a:avLst/>
           </a:prstGeom>
-          <a:noFill/>
+          <a:solidFill>
+            <a:schemeClr val="accent4">
+              <a:lumMod val="40000"/>
+              <a:lumOff val="60000"/>
+            </a:schemeClr>
+          </a:solidFill>
         </p:spPr>
         <p:txBody>
           <a:bodyPr wrap="square">
@@ -6349,9 +6904,92 @@
           <a:lstStyle/>
           <a:p>
             <a:r>
+              <a:rPr lang="pt-BR" dirty="0"/>
+              <a:t>= </a:t>
+            </a:r>
+            <a:r>
               <a:rPr lang="LID4096" dirty="0"/>
-              <a:t>E:\15_REPOS\00_Betami\02_Flopy_1_2_3__</a:t>
-            </a:r>
+              <a:t>mf6.ModflowGwf</a:t>
+            </a:r>
+            <a:r>
+              <a:rPr lang="pt-BR" dirty="0"/>
+              <a:t>(</a:t>
+            </a:r>
+            <a:endParaRPr lang="LID4096" dirty="0"/>
+          </a:p>
+        </p:txBody>
+      </p:sp>
+      <p:sp>
+        <p:nvSpPr>
+          <p:cNvPr id="7" name="TextBox 6">
+            <a:extLst>
+              <a:ext uri="{FF2B5EF4-FFF2-40B4-BE49-F238E27FC236}">
+                <a16:creationId xmlns:a16="http://schemas.microsoft.com/office/drawing/2014/main" id="{1649E895-F6BF-C99D-1290-C8B8D2557895}"/>
+              </a:ext>
+            </a:extLst>
+          </p:cNvPr>
+          <p:cNvSpPr txBox="1"/>
+          <p:nvPr/>
+        </p:nvSpPr>
+        <p:spPr>
+          <a:xfrm>
+            <a:off x="189899" y="92872"/>
+            <a:ext cx="2654351" cy="1169551"/>
+          </a:xfrm>
+          <a:prstGeom prst="rect">
+            <a:avLst/>
+          </a:prstGeom>
+          <a:solidFill>
+            <a:schemeClr val="accent4">
+              <a:lumMod val="40000"/>
+              <a:lumOff val="60000"/>
+            </a:schemeClr>
+          </a:solidFill>
+        </p:spPr>
+        <p:txBody>
+          <a:bodyPr wrap="square">
+            <a:spAutoFit/>
+          </a:bodyPr>
+          <a:lstStyle/>
+          <a:p>
+            <a:r>
+              <a:rPr lang="LID4096" sz="1400" dirty="0"/>
+              <a:t>/02_Flopy_1_2_3__/</a:t>
+            </a:r>
+            <a:endParaRPr lang="pt-BR" sz="1400" dirty="0"/>
+          </a:p>
+          <a:p>
+            <a:r>
+              <a:rPr lang="en-GB" sz="1400" dirty="0"/>
+              <a:t>a___.</a:t>
+            </a:r>
+            <a:r>
+              <a:rPr lang="en-GB" sz="1400" dirty="0" err="1"/>
+              <a:t>docs_Notebooks</a:t>
+            </a:r>
+            <a:r>
+              <a:rPr lang="en-GB" sz="1400" dirty="0"/>
+              <a:t>/</a:t>
+            </a:r>
+          </a:p>
+          <a:p>
+            <a:r>
+              <a:rPr lang="en-GB" sz="1400" dirty="0"/>
+              <a:t>03_mf_boundaries_tutorial/</a:t>
+            </a:r>
+          </a:p>
+          <a:p>
+            <a:r>
+              <a:rPr lang="en-GB" sz="1400" dirty="0"/>
+              <a:t>03/</a:t>
+            </a:r>
+          </a:p>
+          <a:p>
+            <a:r>
+              <a:rPr lang="en-GB" sz="1400" dirty="0"/>
+              <a:t>3mf_boundaries_tutorial.ipynb</a:t>
+            </a:r>
+            <a:endParaRPr lang="LID4096" sz="1400" dirty="0"/>
           </a:p>
         </p:txBody>
       </p:sp>
@@ -6371,6 +7009,17 @@
 <file path=ppt/slides/slide4.xml><?xml version="1.0" encoding="utf-8"?>
 <p:sld xmlns:a="http://schemas.openxmlformats.org/drawingml/2006/main" xmlns:r="http://schemas.openxmlformats.org/officeDocument/2006/relationships" xmlns:p="http://schemas.openxmlformats.org/presentationml/2006/main">
   <p:cSld>
+    <p:bg>
+      <p:bgPr>
+        <a:solidFill>
+          <a:schemeClr val="accent5">
+            <a:lumMod val="20000"/>
+            <a:lumOff val="80000"/>
+          </a:schemeClr>
+        </a:solidFill>
+        <a:effectLst/>
+      </p:bgPr>
+    </p:bg>
     <p:spTree>
       <p:nvGrpSpPr>
         <p:cNvPr id="1" name=""/>
@@ -6482,10 +7131,10 @@
         </p:nvGrpSpPr>
         <p:grpSpPr>
           <a:xfrm>
-            <a:off x="191587" y="86063"/>
-            <a:ext cx="9666516" cy="2168434"/>
-            <a:chOff x="5059354" y="444135"/>
-            <a:chExt cx="6871388" cy="1541419"/>
+            <a:off x="252551" y="269966"/>
+            <a:ext cx="8455938" cy="1834975"/>
+            <a:chOff x="5102689" y="574861"/>
+            <a:chExt cx="6010855" cy="1304381"/>
           </a:xfrm>
           <a:noFill/>
         </p:grpSpPr>
@@ -6505,13 +7154,13 @@
           </p:nvPicPr>
           <p:blipFill>
             <a:blip r:embed="rId2"/>
-            <a:srcRect l="10447" t="59212"/>
+            <a:srcRect l="11011" t="62672" r="10651" b="2812"/>
             <a:stretch/>
           </p:blipFill>
           <p:spPr>
             <a:xfrm>
-              <a:off x="5059354" y="444135"/>
-              <a:ext cx="6871388" cy="1541419"/>
+              <a:off x="5102689" y="574861"/>
+              <a:ext cx="6010855" cy="1304381"/>
             </a:xfrm>
             <a:prstGeom prst="rect">
               <a:avLst/>
@@ -6619,10 +7268,1393 @@
           </p:txBody>
         </p:sp>
       </p:grpSp>
+      <p:pic>
+        <p:nvPicPr>
+          <p:cNvPr id="3" name="Picture 2">
+            <a:extLst>
+              <a:ext uri="{FF2B5EF4-FFF2-40B4-BE49-F238E27FC236}">
+                <a16:creationId xmlns:a16="http://schemas.microsoft.com/office/drawing/2014/main" id="{25848BA9-5969-8998-D50F-686A177143D8}"/>
+              </a:ext>
+            </a:extLst>
+          </p:cNvPr>
+          <p:cNvPicPr>
+            <a:picLocks noChangeAspect="1"/>
+          </p:cNvPicPr>
+          <p:nvPr/>
+        </p:nvPicPr>
+        <p:blipFill>
+          <a:blip r:embed="rId3"/>
+          <a:srcRect l="1915" t="3111" b="1897"/>
+          <a:stretch/>
+        </p:blipFill>
+        <p:spPr>
+          <a:xfrm>
+            <a:off x="252551" y="3204754"/>
+            <a:ext cx="3123923" cy="2833734"/>
+          </a:xfrm>
+          <a:prstGeom prst="rect">
+            <a:avLst/>
+          </a:prstGeom>
+        </p:spPr>
+      </p:pic>
+      <p:pic>
+        <p:nvPicPr>
+          <p:cNvPr id="5" name="Picture 4">
+            <a:extLst>
+              <a:ext uri="{FF2B5EF4-FFF2-40B4-BE49-F238E27FC236}">
+                <a16:creationId xmlns:a16="http://schemas.microsoft.com/office/drawing/2014/main" id="{95E5D080-66A0-4B16-92E7-6B3F86F7CB47}"/>
+              </a:ext>
+            </a:extLst>
+          </p:cNvPr>
+          <p:cNvPicPr>
+            <a:picLocks noChangeAspect="1"/>
+          </p:cNvPicPr>
+          <p:nvPr/>
+        </p:nvPicPr>
+        <p:blipFill>
+          <a:blip r:embed="rId4"/>
+          <a:srcRect l="1867" b="19880"/>
+          <a:stretch/>
+        </p:blipFill>
+        <p:spPr>
+          <a:xfrm>
+            <a:off x="1375954" y="6190912"/>
+            <a:ext cx="10244546" cy="465517"/>
+          </a:xfrm>
+          <a:prstGeom prst="rect">
+            <a:avLst/>
+          </a:prstGeom>
+        </p:spPr>
+      </p:pic>
+      <p:sp>
+        <p:nvSpPr>
+          <p:cNvPr id="6" name="Arrow: Down 5">
+            <a:extLst>
+              <a:ext uri="{FF2B5EF4-FFF2-40B4-BE49-F238E27FC236}">
+                <a16:creationId xmlns:a16="http://schemas.microsoft.com/office/drawing/2014/main" id="{0541FB43-CDA9-1841-E888-532BC09CB326}"/>
+              </a:ext>
+            </a:extLst>
+          </p:cNvPr>
+          <p:cNvSpPr/>
+          <p:nvPr/>
+        </p:nvSpPr>
+        <p:spPr>
+          <a:xfrm>
+            <a:off x="8951377" y="5829481"/>
+            <a:ext cx="330926" cy="209006"/>
+          </a:xfrm>
+          <a:prstGeom prst="downArrow">
+            <a:avLst/>
+          </a:prstGeom>
+        </p:spPr>
+        <p:style>
+          <a:lnRef idx="2">
+            <a:schemeClr val="accent1">
+              <a:shade val="15000"/>
+            </a:schemeClr>
+          </a:lnRef>
+          <a:fillRef idx="1">
+            <a:schemeClr val="accent1"/>
+          </a:fillRef>
+          <a:effectRef idx="0">
+            <a:schemeClr val="accent1"/>
+          </a:effectRef>
+          <a:fontRef idx="minor">
+            <a:schemeClr val="lt1"/>
+          </a:fontRef>
+        </p:style>
+        <p:txBody>
+          <a:bodyPr rtlCol="0" anchor="ctr"/>
+          <a:lstStyle/>
+          <a:p>
+            <a:pPr algn="ctr"/>
+            <a:endParaRPr lang="LID4096"/>
+          </a:p>
+        </p:txBody>
+      </p:sp>
+      <p:sp>
+        <p:nvSpPr>
+          <p:cNvPr id="12" name="Arrow: Down 11">
+            <a:extLst>
+              <a:ext uri="{FF2B5EF4-FFF2-40B4-BE49-F238E27FC236}">
+                <a16:creationId xmlns:a16="http://schemas.microsoft.com/office/drawing/2014/main" id="{DB5982A6-BF74-135D-E9C0-C238A184196C}"/>
+              </a:ext>
+            </a:extLst>
+          </p:cNvPr>
+          <p:cNvSpPr/>
+          <p:nvPr/>
+        </p:nvSpPr>
+        <p:spPr>
+          <a:xfrm>
+            <a:off x="9858103" y="5829481"/>
+            <a:ext cx="330926" cy="209006"/>
+          </a:xfrm>
+          <a:prstGeom prst="downArrow">
+            <a:avLst/>
+          </a:prstGeom>
+        </p:spPr>
+        <p:style>
+          <a:lnRef idx="2">
+            <a:schemeClr val="accent1">
+              <a:shade val="15000"/>
+            </a:schemeClr>
+          </a:lnRef>
+          <a:fillRef idx="1">
+            <a:schemeClr val="accent1"/>
+          </a:fillRef>
+          <a:effectRef idx="0">
+            <a:schemeClr val="accent1"/>
+          </a:effectRef>
+          <a:fontRef idx="minor">
+            <a:schemeClr val="lt1"/>
+          </a:fontRef>
+        </p:style>
+        <p:txBody>
+          <a:bodyPr rtlCol="0" anchor="ctr"/>
+          <a:lstStyle/>
+          <a:p>
+            <a:pPr algn="ctr"/>
+            <a:endParaRPr lang="LID4096"/>
+          </a:p>
+        </p:txBody>
+      </p:sp>
+      <p:sp>
+        <p:nvSpPr>
+          <p:cNvPr id="14" name="TextBox 13">
+            <a:extLst>
+              <a:ext uri="{FF2B5EF4-FFF2-40B4-BE49-F238E27FC236}">
+                <a16:creationId xmlns:a16="http://schemas.microsoft.com/office/drawing/2014/main" id="{C46D58BE-4631-4487-4CD8-9E3F565EA076}"/>
+              </a:ext>
+            </a:extLst>
+          </p:cNvPr>
+          <p:cNvSpPr txBox="1"/>
+          <p:nvPr/>
+        </p:nvSpPr>
+        <p:spPr>
+          <a:xfrm>
+            <a:off x="8382000" y="3580324"/>
+            <a:ext cx="3614057" cy="923330"/>
+          </a:xfrm>
+          <a:prstGeom prst="rect">
+            <a:avLst/>
+          </a:prstGeom>
+          <a:solidFill>
+            <a:schemeClr val="accent4">
+              <a:lumMod val="40000"/>
+              <a:lumOff val="60000"/>
+            </a:schemeClr>
+          </a:solidFill>
+        </p:spPr>
+        <p:txBody>
+          <a:bodyPr wrap="square">
+            <a:spAutoFit/>
+          </a:bodyPr>
+          <a:lstStyle/>
+          <a:p>
+            <a:r>
+              <a:rPr lang="LID4096" dirty="0"/>
+              <a:t>/04_Pleasant_Lake/</a:t>
+            </a:r>
+            <a:endParaRPr lang="pt-BR" dirty="0"/>
+          </a:p>
+          <a:p>
+            <a:r>
+              <a:rPr lang="LID4096" dirty="0"/>
+              <a:t>02/</a:t>
+            </a:r>
+            <a:endParaRPr lang="pt-BR" dirty="0"/>
+          </a:p>
+          <a:p>
+            <a:r>
+              <a:rPr lang="LID4096" dirty="0"/>
+              <a:t>pleasant-lake-flopy-example.ipynb</a:t>
+            </a:r>
+          </a:p>
+        </p:txBody>
+      </p:sp>
+      <p:sp>
+        <p:nvSpPr>
+          <p:cNvPr id="15" name="TextBox 14">
+            <a:extLst>
+              <a:ext uri="{FF2B5EF4-FFF2-40B4-BE49-F238E27FC236}">
+                <a16:creationId xmlns:a16="http://schemas.microsoft.com/office/drawing/2014/main" id="{1A34EF33-549B-2A53-12D0-FD723DC8D668}"/>
+              </a:ext>
+            </a:extLst>
+          </p:cNvPr>
+          <p:cNvSpPr txBox="1"/>
+          <p:nvPr/>
+        </p:nvSpPr>
+        <p:spPr>
+          <a:xfrm>
+            <a:off x="4192185" y="5298360"/>
+            <a:ext cx="2159726" cy="369332"/>
+          </a:xfrm>
+          <a:prstGeom prst="rect">
+            <a:avLst/>
+          </a:prstGeom>
+          <a:solidFill>
+            <a:schemeClr val="accent4">
+              <a:lumMod val="40000"/>
+              <a:lumOff val="60000"/>
+            </a:schemeClr>
+          </a:solidFill>
+        </p:spPr>
+        <p:txBody>
+          <a:bodyPr wrap="square">
+            <a:spAutoFit/>
+          </a:bodyPr>
+          <a:lstStyle/>
+          <a:p>
+            <a:r>
+              <a:rPr lang="pt-BR" dirty="0"/>
+              <a:t>= </a:t>
+            </a:r>
+            <a:r>
+              <a:rPr lang="LID4096" dirty="0"/>
+              <a:t>mf6.ModflowGwf</a:t>
+            </a:r>
+            <a:r>
+              <a:rPr lang="pt-BR" dirty="0"/>
+              <a:t>(</a:t>
+            </a:r>
+            <a:endParaRPr lang="LID4096" dirty="0"/>
+          </a:p>
+        </p:txBody>
+      </p:sp>
     </p:spTree>
     <p:extLst>
       <p:ext uri="{BB962C8B-B14F-4D97-AF65-F5344CB8AC3E}">
         <p14:creationId xmlns:p14="http://schemas.microsoft.com/office/powerpoint/2010/main" val="1965931978"/>
+      </p:ext>
+    </p:extLst>
+  </p:cSld>
+  <p:clrMapOvr>
+    <a:masterClrMapping/>
+  </p:clrMapOvr>
+</p:sld>
+</file>
+
+<file path=ppt/slides/slide5.xml><?xml version="1.0" encoding="utf-8"?>
+<p:sld xmlns:a="http://schemas.openxmlformats.org/drawingml/2006/main" xmlns:r="http://schemas.openxmlformats.org/officeDocument/2006/relationships" xmlns:p="http://schemas.openxmlformats.org/presentationml/2006/main">
+  <p:cSld>
+    <p:bg>
+      <p:bgPr>
+        <a:solidFill>
+          <a:schemeClr val="accent5">
+            <a:lumMod val="20000"/>
+            <a:lumOff val="80000"/>
+          </a:schemeClr>
+        </a:solidFill>
+        <a:effectLst/>
+      </p:bgPr>
+    </p:bg>
+    <p:spTree>
+      <p:nvGrpSpPr>
+        <p:cNvPr id="1" name=""/>
+        <p:cNvGrpSpPr/>
+        <p:nvPr/>
+      </p:nvGrpSpPr>
+      <p:grpSpPr>
+        <a:xfrm>
+          <a:off x="0" y="0"/>
+          <a:ext cx="0" cy="0"/>
+          <a:chOff x="0" y="0"/>
+          <a:chExt cx="0" cy="0"/>
+        </a:xfrm>
+      </p:grpSpPr>
+      <p:pic>
+        <p:nvPicPr>
+          <p:cNvPr id="35" name="Picture 34">
+            <a:extLst>
+              <a:ext uri="{FF2B5EF4-FFF2-40B4-BE49-F238E27FC236}">
+                <a16:creationId xmlns:a16="http://schemas.microsoft.com/office/drawing/2014/main" id="{D687BB9A-C66E-05D4-7FB8-0D0A526A2CEB}"/>
+              </a:ext>
+            </a:extLst>
+          </p:cNvPr>
+          <p:cNvPicPr>
+            <a:picLocks noChangeAspect="1"/>
+          </p:cNvPicPr>
+          <p:nvPr/>
+        </p:nvPicPr>
+        <p:blipFill>
+          <a:blip r:embed="rId2"/>
+          <a:stretch>
+            <a:fillRect/>
+          </a:stretch>
+        </p:blipFill>
+        <p:spPr>
+          <a:xfrm>
+            <a:off x="320449" y="5329690"/>
+            <a:ext cx="9715500" cy="219075"/>
+          </a:xfrm>
+          <a:prstGeom prst="rect">
+            <a:avLst/>
+          </a:prstGeom>
+        </p:spPr>
+      </p:pic>
+      <p:grpSp>
+        <p:nvGrpSpPr>
+          <p:cNvPr id="24" name="Group 23">
+            <a:extLst>
+              <a:ext uri="{FF2B5EF4-FFF2-40B4-BE49-F238E27FC236}">
+                <a16:creationId xmlns:a16="http://schemas.microsoft.com/office/drawing/2014/main" id="{38C6E0A4-8271-5B61-A056-41F0F795CD7F}"/>
+              </a:ext>
+            </a:extLst>
+          </p:cNvPr>
+          <p:cNvGrpSpPr/>
+          <p:nvPr/>
+        </p:nvGrpSpPr>
+        <p:grpSpPr>
+          <a:xfrm>
+            <a:off x="215946" y="166709"/>
+            <a:ext cx="10878773" cy="4403104"/>
+            <a:chOff x="477203" y="1464286"/>
+            <a:chExt cx="10878773" cy="4403104"/>
+          </a:xfrm>
+        </p:grpSpPr>
+        <p:grpSp>
+          <p:nvGrpSpPr>
+            <p:cNvPr id="13" name="Group 12">
+              <a:extLst>
+                <a:ext uri="{FF2B5EF4-FFF2-40B4-BE49-F238E27FC236}">
+                  <a16:creationId xmlns:a16="http://schemas.microsoft.com/office/drawing/2014/main" id="{CF9EDDDF-D430-D270-B69A-2E85BA7CD8E3}"/>
+                </a:ext>
+              </a:extLst>
+            </p:cNvPr>
+            <p:cNvGrpSpPr/>
+            <p:nvPr/>
+          </p:nvGrpSpPr>
+          <p:grpSpPr>
+            <a:xfrm>
+              <a:off x="477203" y="3429000"/>
+              <a:ext cx="10878773" cy="1149532"/>
+              <a:chOff x="764587" y="966652"/>
+              <a:chExt cx="10878773" cy="1149532"/>
+            </a:xfrm>
+          </p:grpSpPr>
+          <p:sp>
+            <p:nvSpPr>
+              <p:cNvPr id="12" name="Rectangle 11">
+                <a:extLst>
+                  <a:ext uri="{FF2B5EF4-FFF2-40B4-BE49-F238E27FC236}">
+                    <a16:creationId xmlns:a16="http://schemas.microsoft.com/office/drawing/2014/main" id="{A7BCF5B7-1ED8-D158-1BC3-2E0392293460}"/>
+                  </a:ext>
+                </a:extLst>
+              </p:cNvPr>
+              <p:cNvSpPr/>
+              <p:nvPr/>
+            </p:nvSpPr>
+            <p:spPr>
+              <a:xfrm>
+                <a:off x="764587" y="966652"/>
+                <a:ext cx="10878773" cy="1149532"/>
+              </a:xfrm>
+              <a:prstGeom prst="rect">
+                <a:avLst/>
+              </a:prstGeom>
+              <a:solidFill>
+                <a:schemeClr val="bg1">
+                  <a:lumMod val="95000"/>
+                </a:schemeClr>
+              </a:solidFill>
+            </p:spPr>
+            <p:style>
+              <a:lnRef idx="2">
+                <a:schemeClr val="accent1">
+                  <a:shade val="15000"/>
+                </a:schemeClr>
+              </a:lnRef>
+              <a:fillRef idx="1">
+                <a:schemeClr val="accent1"/>
+              </a:fillRef>
+              <a:effectRef idx="0">
+                <a:schemeClr val="accent1"/>
+              </a:effectRef>
+              <a:fontRef idx="minor">
+                <a:schemeClr val="lt1"/>
+              </a:fontRef>
+            </p:style>
+            <p:txBody>
+              <a:bodyPr rtlCol="0" anchor="ctr"/>
+              <a:lstStyle/>
+              <a:p>
+                <a:pPr algn="ctr"/>
+                <a:endParaRPr lang="LID4096"/>
+              </a:p>
+            </p:txBody>
+          </p:sp>
+          <p:pic>
+            <p:nvPicPr>
+              <p:cNvPr id="5" name="Picture 4">
+                <a:extLst>
+                  <a:ext uri="{FF2B5EF4-FFF2-40B4-BE49-F238E27FC236}">
+                    <a16:creationId xmlns:a16="http://schemas.microsoft.com/office/drawing/2014/main" id="{FA4A74F0-405F-8F84-5A82-5F6A8119CB72}"/>
+                  </a:ext>
+                </a:extLst>
+              </p:cNvPr>
+              <p:cNvPicPr>
+                <a:picLocks noChangeAspect="1"/>
+              </p:cNvPicPr>
+              <p:nvPr/>
+            </p:nvPicPr>
+            <p:blipFill>
+              <a:blip r:embed="rId3"/>
+              <a:stretch>
+                <a:fillRect/>
+              </a:stretch>
+            </p:blipFill>
+            <p:spPr>
+              <a:xfrm>
+                <a:off x="903920" y="1068568"/>
+                <a:ext cx="7515225" cy="314325"/>
+              </a:xfrm>
+              <a:prstGeom prst="rect">
+                <a:avLst/>
+              </a:prstGeom>
+            </p:spPr>
+          </p:pic>
+          <p:pic>
+            <p:nvPicPr>
+              <p:cNvPr id="7" name="Picture 6">
+                <a:extLst>
+                  <a:ext uri="{FF2B5EF4-FFF2-40B4-BE49-F238E27FC236}">
+                    <a16:creationId xmlns:a16="http://schemas.microsoft.com/office/drawing/2014/main" id="{ECFFB1AC-DB8E-F418-132C-CB95427E7C5B}"/>
+                  </a:ext>
+                </a:extLst>
+              </p:cNvPr>
+              <p:cNvPicPr>
+                <a:picLocks noChangeAspect="1"/>
+              </p:cNvPicPr>
+              <p:nvPr/>
+            </p:nvPicPr>
+            <p:blipFill>
+              <a:blip r:embed="rId4"/>
+              <a:srcRect b="67692"/>
+              <a:stretch/>
+            </p:blipFill>
+            <p:spPr>
+              <a:xfrm>
+                <a:off x="1043259" y="1382893"/>
+                <a:ext cx="7591425" cy="200025"/>
+              </a:xfrm>
+              <a:prstGeom prst="rect">
+                <a:avLst/>
+              </a:prstGeom>
+            </p:spPr>
+          </p:pic>
+          <p:pic>
+            <p:nvPicPr>
+              <p:cNvPr id="9" name="Picture 8">
+                <a:extLst>
+                  <a:ext uri="{FF2B5EF4-FFF2-40B4-BE49-F238E27FC236}">
+                    <a16:creationId xmlns:a16="http://schemas.microsoft.com/office/drawing/2014/main" id="{0C9D130F-8C19-1B96-ADED-643D14376D25}"/>
+                  </a:ext>
+                </a:extLst>
+              </p:cNvPr>
+              <p:cNvPicPr>
+                <a:picLocks noChangeAspect="1"/>
+              </p:cNvPicPr>
+              <p:nvPr/>
+            </p:nvPicPr>
+            <p:blipFill>
+              <a:blip r:embed="rId5"/>
+              <a:stretch>
+                <a:fillRect/>
+              </a:stretch>
+            </p:blipFill>
+            <p:spPr>
+              <a:xfrm>
+                <a:off x="921338" y="1609179"/>
+                <a:ext cx="10506075" cy="228600"/>
+              </a:xfrm>
+              <a:prstGeom prst="rect">
+                <a:avLst/>
+              </a:prstGeom>
+            </p:spPr>
+          </p:pic>
+          <p:pic>
+            <p:nvPicPr>
+              <p:cNvPr id="11" name="Picture 10">
+                <a:extLst>
+                  <a:ext uri="{FF2B5EF4-FFF2-40B4-BE49-F238E27FC236}">
+                    <a16:creationId xmlns:a16="http://schemas.microsoft.com/office/drawing/2014/main" id="{D7EF5C28-C229-91E4-49DA-426DC09037AF}"/>
+                  </a:ext>
+                </a:extLst>
+              </p:cNvPr>
+              <p:cNvPicPr>
+                <a:picLocks noChangeAspect="1"/>
+              </p:cNvPicPr>
+              <p:nvPr/>
+            </p:nvPicPr>
+            <p:blipFill>
+              <a:blip r:embed="rId6"/>
+              <a:srcRect t="20944" b="27993"/>
+              <a:stretch/>
+            </p:blipFill>
+            <p:spPr>
+              <a:xfrm>
+                <a:off x="895211" y="1809204"/>
+                <a:ext cx="8810625" cy="228600"/>
+              </a:xfrm>
+              <a:prstGeom prst="rect">
+                <a:avLst/>
+              </a:prstGeom>
+            </p:spPr>
+          </p:pic>
+        </p:grpSp>
+        <p:grpSp>
+          <p:nvGrpSpPr>
+            <p:cNvPr id="21" name="Group 20">
+              <a:extLst>
+                <a:ext uri="{FF2B5EF4-FFF2-40B4-BE49-F238E27FC236}">
+                  <a16:creationId xmlns:a16="http://schemas.microsoft.com/office/drawing/2014/main" id="{63F1A777-C320-1D99-A3EF-CCE5E53DCFAC}"/>
+                </a:ext>
+              </a:extLst>
+            </p:cNvPr>
+            <p:cNvGrpSpPr/>
+            <p:nvPr/>
+          </p:nvGrpSpPr>
+          <p:grpSpPr>
+            <a:xfrm>
+              <a:off x="477203" y="1464286"/>
+              <a:ext cx="8814845" cy="1988250"/>
+              <a:chOff x="755875" y="841534"/>
+              <a:chExt cx="8814845" cy="1988250"/>
+            </a:xfrm>
+          </p:grpSpPr>
+          <p:sp>
+            <p:nvSpPr>
+              <p:cNvPr id="20" name="Rectangle 19">
+                <a:extLst>
+                  <a:ext uri="{FF2B5EF4-FFF2-40B4-BE49-F238E27FC236}">
+                    <a16:creationId xmlns:a16="http://schemas.microsoft.com/office/drawing/2014/main" id="{ABCCB447-1B96-3A70-53F6-9A4DC1922889}"/>
+                  </a:ext>
+                </a:extLst>
+              </p:cNvPr>
+              <p:cNvSpPr/>
+              <p:nvPr/>
+            </p:nvSpPr>
+            <p:spPr>
+              <a:xfrm>
+                <a:off x="755875" y="841534"/>
+                <a:ext cx="8814845" cy="874055"/>
+              </a:xfrm>
+              <a:prstGeom prst="rect">
+                <a:avLst/>
+              </a:prstGeom>
+              <a:solidFill>
+                <a:schemeClr val="bg1">
+                  <a:lumMod val="95000"/>
+                </a:schemeClr>
+              </a:solidFill>
+            </p:spPr>
+            <p:style>
+              <a:lnRef idx="2">
+                <a:schemeClr val="accent1">
+                  <a:shade val="15000"/>
+                </a:schemeClr>
+              </a:lnRef>
+              <a:fillRef idx="1">
+                <a:schemeClr val="accent1"/>
+              </a:fillRef>
+              <a:effectRef idx="0">
+                <a:schemeClr val="accent1"/>
+              </a:effectRef>
+              <a:fontRef idx="minor">
+                <a:schemeClr val="lt1"/>
+              </a:fontRef>
+            </p:style>
+            <p:txBody>
+              <a:bodyPr rtlCol="0" anchor="ctr"/>
+              <a:lstStyle/>
+              <a:p>
+                <a:pPr algn="ctr"/>
+                <a:endParaRPr lang="LID4096"/>
+              </a:p>
+            </p:txBody>
+          </p:sp>
+          <p:pic>
+            <p:nvPicPr>
+              <p:cNvPr id="15" name="Picture 14">
+                <a:extLst>
+                  <a:ext uri="{FF2B5EF4-FFF2-40B4-BE49-F238E27FC236}">
+                    <a16:creationId xmlns:a16="http://schemas.microsoft.com/office/drawing/2014/main" id="{5B8AD9E4-7F58-E96E-828D-C6FE757A951C}"/>
+                  </a:ext>
+                </a:extLst>
+              </p:cNvPr>
+              <p:cNvPicPr>
+                <a:picLocks noChangeAspect="1"/>
+              </p:cNvPicPr>
+              <p:nvPr/>
+            </p:nvPicPr>
+            <p:blipFill>
+              <a:blip r:embed="rId7"/>
+              <a:stretch>
+                <a:fillRect/>
+              </a:stretch>
+            </p:blipFill>
+            <p:spPr>
+              <a:xfrm>
+                <a:off x="831664" y="917394"/>
+                <a:ext cx="8362950" cy="285750"/>
+              </a:xfrm>
+              <a:prstGeom prst="rect">
+                <a:avLst/>
+              </a:prstGeom>
+            </p:spPr>
+          </p:pic>
+          <p:pic>
+            <p:nvPicPr>
+              <p:cNvPr id="17" name="Picture 16">
+                <a:extLst>
+                  <a:ext uri="{FF2B5EF4-FFF2-40B4-BE49-F238E27FC236}">
+                    <a16:creationId xmlns:a16="http://schemas.microsoft.com/office/drawing/2014/main" id="{EA701D1E-7CA6-F8AE-6984-77D23AE15DB3}"/>
+                  </a:ext>
+                </a:extLst>
+              </p:cNvPr>
+              <p:cNvPicPr>
+                <a:picLocks noChangeAspect="1"/>
+              </p:cNvPicPr>
+              <p:nvPr/>
+            </p:nvPicPr>
+            <p:blipFill>
+              <a:blip r:embed="rId8"/>
+              <a:stretch>
+                <a:fillRect/>
+              </a:stretch>
+            </p:blipFill>
+            <p:spPr>
+              <a:xfrm>
+                <a:off x="831664" y="1200285"/>
+                <a:ext cx="7439025" cy="419100"/>
+              </a:xfrm>
+              <a:prstGeom prst="rect">
+                <a:avLst/>
+              </a:prstGeom>
+            </p:spPr>
+          </p:pic>
+          <p:sp>
+            <p:nvSpPr>
+              <p:cNvPr id="19" name="TextBox 18">
+                <a:extLst>
+                  <a:ext uri="{FF2B5EF4-FFF2-40B4-BE49-F238E27FC236}">
+                    <a16:creationId xmlns:a16="http://schemas.microsoft.com/office/drawing/2014/main" id="{F43DB496-F1A0-7457-3A69-F2E131ACACF2}"/>
+                  </a:ext>
+                </a:extLst>
+              </p:cNvPr>
+              <p:cNvSpPr txBox="1"/>
+              <p:nvPr/>
+            </p:nvSpPr>
+            <p:spPr>
+              <a:xfrm>
+                <a:off x="755875" y="1629455"/>
+                <a:ext cx="6096000" cy="1200329"/>
+              </a:xfrm>
+              <a:prstGeom prst="rect">
+                <a:avLst/>
+              </a:prstGeom>
+              <a:noFill/>
+            </p:spPr>
+            <p:txBody>
+              <a:bodyPr wrap="square">
+                <a:spAutoFit/>
+              </a:bodyPr>
+              <a:lstStyle/>
+              <a:p>
+                <a:r>
+                  <a:rPr lang="LID4096" dirty="0">
+                    <a:solidFill>
+                      <a:srgbClr val="00B050"/>
+                    </a:solidFill>
+                  </a:rPr>
+                  <a:t>sim.write_simulation() </a:t>
+                </a:r>
+              </a:p>
+              <a:p>
+                <a:r>
+                  <a:rPr lang="LID4096" dirty="0">
+                    <a:solidFill>
+                      <a:srgbClr val="00B050"/>
+                    </a:solidFill>
+                  </a:rPr>
+                  <a:t>mfsim.nam</a:t>
+                </a:r>
+              </a:p>
+              <a:p>
+                <a:r>
+                  <a:rPr lang="LID4096" dirty="0">
+                    <a:solidFill>
+                      <a:srgbClr val="00B050"/>
+                    </a:solidFill>
+                  </a:rPr>
+                  <a:t>pleasant.ims</a:t>
+                </a:r>
+              </a:p>
+              <a:p>
+                <a:r>
+                  <a:rPr lang="LID4096" dirty="0">
+                    <a:solidFill>
+                      <a:srgbClr val="00B050"/>
+                    </a:solidFill>
+                  </a:rPr>
+                  <a:t>pleasant.tdis</a:t>
+                </a:r>
+              </a:p>
+            </p:txBody>
+          </p:sp>
+        </p:grpSp>
+        <p:sp>
+          <p:nvSpPr>
+            <p:cNvPr id="23" name="TextBox 22">
+              <a:extLst>
+                <a:ext uri="{FF2B5EF4-FFF2-40B4-BE49-F238E27FC236}">
+                  <a16:creationId xmlns:a16="http://schemas.microsoft.com/office/drawing/2014/main" id="{D36CDD8B-4F70-F29D-84B4-2E3ED869EAAC}"/>
+                </a:ext>
+              </a:extLst>
+            </p:cNvPr>
+            <p:cNvSpPr txBox="1"/>
+            <p:nvPr/>
+          </p:nvSpPr>
+          <p:spPr>
+            <a:xfrm>
+              <a:off x="477203" y="5221059"/>
+              <a:ext cx="6096000" cy="646331"/>
+            </a:xfrm>
+            <a:prstGeom prst="rect">
+              <a:avLst/>
+            </a:prstGeom>
+            <a:noFill/>
+          </p:spPr>
+          <p:txBody>
+            <a:bodyPr wrap="square">
+              <a:spAutoFit/>
+            </a:bodyPr>
+            <a:lstStyle>
+              <a:defPPr>
+                <a:defRPr lang="LID4096"/>
+              </a:defPPr>
+              <a:lvl1pPr>
+                <a:defRPr>
+                  <a:solidFill>
+                    <a:srgbClr val="00B050"/>
+                  </a:solidFill>
+                </a:defRPr>
+              </a:lvl1pPr>
+            </a:lstStyle>
+            <a:p>
+              <a:r>
+                <a:rPr lang="LID4096" dirty="0"/>
+                <a:t>	new - 	06_nam</a:t>
+              </a:r>
+            </a:p>
+            <a:p>
+              <a:r>
+                <a:rPr lang="LID4096" dirty="0"/>
+                <a:t>Pleaseant   	01_dis, 02_ims, 03_npf, 04_oc, 05_tdis</a:t>
+              </a:r>
+            </a:p>
+          </p:txBody>
+        </p:sp>
+      </p:grpSp>
+      <p:pic>
+        <p:nvPicPr>
+          <p:cNvPr id="26" name="Picture 25">
+            <a:extLst>
+              <a:ext uri="{FF2B5EF4-FFF2-40B4-BE49-F238E27FC236}">
+                <a16:creationId xmlns:a16="http://schemas.microsoft.com/office/drawing/2014/main" id="{0E322243-9DFB-4C97-ED80-264604E010FD}"/>
+              </a:ext>
+            </a:extLst>
+          </p:cNvPr>
+          <p:cNvPicPr>
+            <a:picLocks noChangeAspect="1"/>
+          </p:cNvPicPr>
+          <p:nvPr/>
+        </p:nvPicPr>
+        <p:blipFill>
+          <a:blip r:embed="rId9"/>
+          <a:stretch>
+            <a:fillRect/>
+          </a:stretch>
+        </p:blipFill>
+        <p:spPr>
+          <a:xfrm>
+            <a:off x="416237" y="3365455"/>
+            <a:ext cx="3362325" cy="333375"/>
+          </a:xfrm>
+          <a:prstGeom prst="rect">
+            <a:avLst/>
+          </a:prstGeom>
+        </p:spPr>
+      </p:pic>
+      <p:pic>
+        <p:nvPicPr>
+          <p:cNvPr id="27" name="Picture 26">
+            <a:extLst>
+              <a:ext uri="{FF2B5EF4-FFF2-40B4-BE49-F238E27FC236}">
+                <a16:creationId xmlns:a16="http://schemas.microsoft.com/office/drawing/2014/main" id="{3C52E7BC-F2DD-42A5-09DB-9CAEFA4554F2}"/>
+              </a:ext>
+            </a:extLst>
+          </p:cNvPr>
+          <p:cNvPicPr>
+            <a:picLocks noChangeAspect="1"/>
+          </p:cNvPicPr>
+          <p:nvPr/>
+        </p:nvPicPr>
+        <p:blipFill>
+          <a:blip r:embed="rId10"/>
+          <a:srcRect l="1915" t="3111" b="1897"/>
+          <a:stretch/>
+        </p:blipFill>
+        <p:spPr>
+          <a:xfrm>
+            <a:off x="8654685" y="3823136"/>
+            <a:ext cx="3123923" cy="2833734"/>
+          </a:xfrm>
+          <a:prstGeom prst="rect">
+            <a:avLst/>
+          </a:prstGeom>
+        </p:spPr>
+      </p:pic>
+      <p:sp>
+        <p:nvSpPr>
+          <p:cNvPr id="28" name="Arrow: Down 27">
+            <a:extLst>
+              <a:ext uri="{FF2B5EF4-FFF2-40B4-BE49-F238E27FC236}">
+                <a16:creationId xmlns:a16="http://schemas.microsoft.com/office/drawing/2014/main" id="{0B5BD92F-AA91-E1B5-1E49-E7BA8A32E93D}"/>
+              </a:ext>
+            </a:extLst>
+          </p:cNvPr>
+          <p:cNvSpPr/>
+          <p:nvPr/>
+        </p:nvSpPr>
+        <p:spPr>
+          <a:xfrm rot="16200000">
+            <a:off x="8228566" y="5707561"/>
+            <a:ext cx="330926" cy="209006"/>
+          </a:xfrm>
+          <a:prstGeom prst="downArrow">
+            <a:avLst/>
+          </a:prstGeom>
+        </p:spPr>
+        <p:style>
+          <a:lnRef idx="2">
+            <a:schemeClr val="accent1">
+              <a:shade val="15000"/>
+            </a:schemeClr>
+          </a:lnRef>
+          <a:fillRef idx="1">
+            <a:schemeClr val="accent1"/>
+          </a:fillRef>
+          <a:effectRef idx="0">
+            <a:schemeClr val="accent1"/>
+          </a:effectRef>
+          <a:fontRef idx="minor">
+            <a:schemeClr val="lt1"/>
+          </a:fontRef>
+        </p:style>
+        <p:txBody>
+          <a:bodyPr rtlCol="0" anchor="ctr"/>
+          <a:lstStyle/>
+          <a:p>
+            <a:pPr algn="ctr"/>
+            <a:endParaRPr lang="LID4096"/>
+          </a:p>
+        </p:txBody>
+      </p:sp>
+      <p:sp>
+        <p:nvSpPr>
+          <p:cNvPr id="29" name="Arrow: Down 28">
+            <a:extLst>
+              <a:ext uri="{FF2B5EF4-FFF2-40B4-BE49-F238E27FC236}">
+                <a16:creationId xmlns:a16="http://schemas.microsoft.com/office/drawing/2014/main" id="{71972224-62D5-5375-83DC-4C08EC566240}"/>
+              </a:ext>
+            </a:extLst>
+          </p:cNvPr>
+          <p:cNvSpPr/>
+          <p:nvPr/>
+        </p:nvSpPr>
+        <p:spPr>
+          <a:xfrm rot="16200000">
+            <a:off x="50483" y="3428864"/>
+            <a:ext cx="330926" cy="209006"/>
+          </a:xfrm>
+          <a:prstGeom prst="downArrow">
+            <a:avLst/>
+          </a:prstGeom>
+        </p:spPr>
+        <p:style>
+          <a:lnRef idx="2">
+            <a:schemeClr val="accent1">
+              <a:shade val="15000"/>
+            </a:schemeClr>
+          </a:lnRef>
+          <a:fillRef idx="1">
+            <a:schemeClr val="accent1"/>
+          </a:fillRef>
+          <a:effectRef idx="0">
+            <a:schemeClr val="accent1"/>
+          </a:effectRef>
+          <a:fontRef idx="minor">
+            <a:schemeClr val="lt1"/>
+          </a:fontRef>
+        </p:style>
+        <p:txBody>
+          <a:bodyPr rtlCol="0" anchor="ctr"/>
+          <a:lstStyle/>
+          <a:p>
+            <a:pPr algn="ctr"/>
+            <a:endParaRPr lang="LID4096"/>
+          </a:p>
+        </p:txBody>
+      </p:sp>
+      <p:pic>
+        <p:nvPicPr>
+          <p:cNvPr id="31" name="Picture 30">
+            <a:extLst>
+              <a:ext uri="{FF2B5EF4-FFF2-40B4-BE49-F238E27FC236}">
+                <a16:creationId xmlns:a16="http://schemas.microsoft.com/office/drawing/2014/main" id="{9F5B7989-A8C4-9358-AF5E-1FFBF57DEC4E}"/>
+              </a:ext>
+            </a:extLst>
+          </p:cNvPr>
+          <p:cNvPicPr>
+            <a:picLocks noChangeAspect="1"/>
+          </p:cNvPicPr>
+          <p:nvPr/>
+        </p:nvPicPr>
+        <p:blipFill>
+          <a:blip r:embed="rId11"/>
+          <a:stretch>
+            <a:fillRect/>
+          </a:stretch>
+        </p:blipFill>
+        <p:spPr>
+          <a:xfrm>
+            <a:off x="320449" y="4783715"/>
+            <a:ext cx="6200775" cy="428625"/>
+          </a:xfrm>
+          <a:prstGeom prst="rect">
+            <a:avLst/>
+          </a:prstGeom>
+        </p:spPr>
+      </p:pic>
+      <p:sp>
+        <p:nvSpPr>
+          <p:cNvPr id="32" name="Arrow: Down 31">
+            <a:extLst>
+              <a:ext uri="{FF2B5EF4-FFF2-40B4-BE49-F238E27FC236}">
+                <a16:creationId xmlns:a16="http://schemas.microsoft.com/office/drawing/2014/main" id="{83F907E2-1DB2-E7AB-0750-ED8F418EAC6E}"/>
+              </a:ext>
+            </a:extLst>
+          </p:cNvPr>
+          <p:cNvSpPr/>
+          <p:nvPr/>
+        </p:nvSpPr>
+        <p:spPr>
+          <a:xfrm rot="16200000">
+            <a:off x="8228566" y="6076770"/>
+            <a:ext cx="330926" cy="209006"/>
+          </a:xfrm>
+          <a:prstGeom prst="downArrow">
+            <a:avLst/>
+          </a:prstGeom>
+          <a:solidFill>
+            <a:schemeClr val="accent4">
+              <a:lumMod val="75000"/>
+            </a:schemeClr>
+          </a:solidFill>
+        </p:spPr>
+        <p:style>
+          <a:lnRef idx="2">
+            <a:schemeClr val="accent1">
+              <a:shade val="15000"/>
+            </a:schemeClr>
+          </a:lnRef>
+          <a:fillRef idx="1">
+            <a:schemeClr val="accent1"/>
+          </a:fillRef>
+          <a:effectRef idx="0">
+            <a:schemeClr val="accent1"/>
+          </a:effectRef>
+          <a:fontRef idx="minor">
+            <a:schemeClr val="lt1"/>
+          </a:fontRef>
+        </p:style>
+        <p:txBody>
+          <a:bodyPr rtlCol="0" anchor="ctr"/>
+          <a:lstStyle/>
+          <a:p>
+            <a:pPr algn="ctr"/>
+            <a:endParaRPr lang="LID4096"/>
+          </a:p>
+        </p:txBody>
+      </p:sp>
+      <p:sp>
+        <p:nvSpPr>
+          <p:cNvPr id="33" name="Arrow: Down 32">
+            <a:extLst>
+              <a:ext uri="{FF2B5EF4-FFF2-40B4-BE49-F238E27FC236}">
+                <a16:creationId xmlns:a16="http://schemas.microsoft.com/office/drawing/2014/main" id="{7F1E9C0D-E12A-BD5D-6195-2FF859445F77}"/>
+              </a:ext>
+            </a:extLst>
+          </p:cNvPr>
+          <p:cNvSpPr/>
+          <p:nvPr/>
+        </p:nvSpPr>
+        <p:spPr>
+          <a:xfrm rot="16200000">
+            <a:off x="-14099" y="4844675"/>
+            <a:ext cx="330926" cy="209006"/>
+          </a:xfrm>
+          <a:prstGeom prst="downArrow">
+            <a:avLst/>
+          </a:prstGeom>
+          <a:solidFill>
+            <a:schemeClr val="accent4">
+              <a:lumMod val="75000"/>
+            </a:schemeClr>
+          </a:solidFill>
+        </p:spPr>
+        <p:style>
+          <a:lnRef idx="2">
+            <a:schemeClr val="accent1">
+              <a:shade val="15000"/>
+            </a:schemeClr>
+          </a:lnRef>
+          <a:fillRef idx="1">
+            <a:schemeClr val="accent1"/>
+          </a:fillRef>
+          <a:effectRef idx="0">
+            <a:schemeClr val="accent1"/>
+          </a:effectRef>
+          <a:fontRef idx="minor">
+            <a:schemeClr val="lt1"/>
+          </a:fontRef>
+        </p:style>
+        <p:txBody>
+          <a:bodyPr rtlCol="0" anchor="ctr"/>
+          <a:lstStyle/>
+          <a:p>
+            <a:pPr algn="ctr"/>
+            <a:endParaRPr lang="LID4096"/>
+          </a:p>
+        </p:txBody>
+      </p:sp>
+      <p:sp>
+        <p:nvSpPr>
+          <p:cNvPr id="36" name="TextBox 35">
+            <a:extLst>
+              <a:ext uri="{FF2B5EF4-FFF2-40B4-BE49-F238E27FC236}">
+                <a16:creationId xmlns:a16="http://schemas.microsoft.com/office/drawing/2014/main" id="{FD24924E-A717-3D21-B6BF-437797A864CD}"/>
+              </a:ext>
+            </a:extLst>
+          </p:cNvPr>
+          <p:cNvSpPr txBox="1"/>
+          <p:nvPr/>
+        </p:nvSpPr>
+        <p:spPr>
+          <a:xfrm>
+            <a:off x="7857445" y="2536704"/>
+            <a:ext cx="1732936" cy="188328"/>
+          </a:xfrm>
+          <a:prstGeom prst="rect">
+            <a:avLst/>
+          </a:prstGeom>
+          <a:solidFill>
+            <a:schemeClr val="bg1">
+              <a:lumMod val="85000"/>
+            </a:schemeClr>
+          </a:solidFill>
+        </p:spPr>
+        <p:txBody>
+          <a:bodyPr wrap="square" lIns="0" tIns="0" rIns="0" bIns="0" anchor="ctr" anchorCtr="0">
+            <a:noAutofit/>
+          </a:bodyPr>
+          <a:lstStyle/>
+          <a:p>
+            <a:r>
+              <a:rPr lang="LID4096" dirty="0"/>
+              <a:t># output control</a:t>
+            </a:r>
+          </a:p>
+        </p:txBody>
+      </p:sp>
+      <p:sp>
+        <p:nvSpPr>
+          <p:cNvPr id="37" name="TextBox 36">
+            <a:extLst>
+              <a:ext uri="{FF2B5EF4-FFF2-40B4-BE49-F238E27FC236}">
+                <a16:creationId xmlns:a16="http://schemas.microsoft.com/office/drawing/2014/main" id="{61748BDE-F814-5616-333F-7BC283A1F11D}"/>
+              </a:ext>
+            </a:extLst>
+          </p:cNvPr>
+          <p:cNvSpPr txBox="1"/>
+          <p:nvPr/>
+        </p:nvSpPr>
+        <p:spPr>
+          <a:xfrm>
+            <a:off x="3874350" y="3418406"/>
+            <a:ext cx="1732936" cy="188328"/>
+          </a:xfrm>
+          <a:prstGeom prst="rect">
+            <a:avLst/>
+          </a:prstGeom>
+          <a:solidFill>
+            <a:schemeClr val="bg1">
+              <a:lumMod val="85000"/>
+            </a:schemeClr>
+          </a:solidFill>
+        </p:spPr>
+        <p:txBody>
+          <a:bodyPr wrap="square" lIns="0" tIns="0" rIns="0" bIns="0" anchor="ctr" anchorCtr="0">
+            <a:noAutofit/>
+          </a:bodyPr>
+          <a:lstStyle/>
+          <a:p>
+            <a:r>
+              <a:rPr lang="en-US" dirty="0"/>
+              <a:t># initial conditions</a:t>
+            </a:r>
+          </a:p>
+        </p:txBody>
+      </p:sp>
+      <p:sp>
+        <p:nvSpPr>
+          <p:cNvPr id="38" name="TextBox 37">
+            <a:extLst>
+              <a:ext uri="{FF2B5EF4-FFF2-40B4-BE49-F238E27FC236}">
+                <a16:creationId xmlns:a16="http://schemas.microsoft.com/office/drawing/2014/main" id="{EB211AB1-47F8-7C30-8331-581FF9F6E109}"/>
+              </a:ext>
+            </a:extLst>
+          </p:cNvPr>
+          <p:cNvSpPr txBox="1"/>
+          <p:nvPr/>
+        </p:nvSpPr>
+        <p:spPr>
+          <a:xfrm>
+            <a:off x="6556590" y="4796424"/>
+            <a:ext cx="584439" cy="201603"/>
+          </a:xfrm>
+          <a:prstGeom prst="rect">
+            <a:avLst/>
+          </a:prstGeom>
+          <a:solidFill>
+            <a:schemeClr val="bg1">
+              <a:lumMod val="85000"/>
+            </a:schemeClr>
+          </a:solidFill>
+        </p:spPr>
+        <p:txBody>
+          <a:bodyPr wrap="square" lIns="0" tIns="0" rIns="0" bIns="0" anchor="ctr" anchorCtr="0">
+            <a:noAutofit/>
+          </a:bodyPr>
+          <a:lstStyle/>
+          <a:p>
+            <a:r>
+              <a:rPr lang="en-US" dirty="0"/>
+              <a:t># BC</a:t>
+            </a:r>
+          </a:p>
+        </p:txBody>
+      </p:sp>
+      <p:sp>
+        <p:nvSpPr>
+          <p:cNvPr id="39" name="TextBox 38">
+            <a:extLst>
+              <a:ext uri="{FF2B5EF4-FFF2-40B4-BE49-F238E27FC236}">
+                <a16:creationId xmlns:a16="http://schemas.microsoft.com/office/drawing/2014/main" id="{4C033003-BD33-7BF4-ECDF-CCAD273C03E4}"/>
+              </a:ext>
+            </a:extLst>
+          </p:cNvPr>
+          <p:cNvSpPr txBox="1"/>
+          <p:nvPr/>
+        </p:nvSpPr>
+        <p:spPr>
+          <a:xfrm>
+            <a:off x="6556590" y="5010737"/>
+            <a:ext cx="584439" cy="201603"/>
+          </a:xfrm>
+          <a:prstGeom prst="rect">
+            <a:avLst/>
+          </a:prstGeom>
+          <a:solidFill>
+            <a:schemeClr val="bg1">
+              <a:lumMod val="85000"/>
+            </a:schemeClr>
+          </a:solidFill>
+        </p:spPr>
+        <p:txBody>
+          <a:bodyPr wrap="square" lIns="0" tIns="0" rIns="0" bIns="0" anchor="ctr" anchorCtr="0">
+            <a:noAutofit/>
+          </a:bodyPr>
+          <a:lstStyle/>
+          <a:p>
+            <a:r>
+              <a:rPr lang="en-US" dirty="0"/>
+              <a:t># BC</a:t>
+            </a:r>
+          </a:p>
+        </p:txBody>
+      </p:sp>
+      <p:sp>
+        <p:nvSpPr>
+          <p:cNvPr id="40" name="TextBox 39">
+            <a:extLst>
+              <a:ext uri="{FF2B5EF4-FFF2-40B4-BE49-F238E27FC236}">
+                <a16:creationId xmlns:a16="http://schemas.microsoft.com/office/drawing/2014/main" id="{F46C6648-CE75-3FD9-42C0-D763E2FD6CA5}"/>
+              </a:ext>
+            </a:extLst>
+          </p:cNvPr>
+          <p:cNvSpPr txBox="1"/>
+          <p:nvPr/>
+        </p:nvSpPr>
+        <p:spPr>
+          <a:xfrm>
+            <a:off x="7614346" y="5069412"/>
+            <a:ext cx="584439" cy="201603"/>
+          </a:xfrm>
+          <a:prstGeom prst="rect">
+            <a:avLst/>
+          </a:prstGeom>
+          <a:solidFill>
+            <a:schemeClr val="bg1">
+              <a:lumMod val="85000"/>
+            </a:schemeClr>
+          </a:solidFill>
+        </p:spPr>
+        <p:txBody>
+          <a:bodyPr wrap="square" lIns="0" tIns="0" rIns="0" bIns="0" anchor="ctr" anchorCtr="0">
+            <a:noAutofit/>
+          </a:bodyPr>
+          <a:lstStyle/>
+          <a:p>
+            <a:r>
+              <a:rPr lang="en-US" dirty="0"/>
+              <a:t># BC</a:t>
+            </a:r>
+          </a:p>
+        </p:txBody>
+      </p:sp>
+      <p:sp>
+        <p:nvSpPr>
+          <p:cNvPr id="41" name="TextBox 40">
+            <a:extLst>
+              <a:ext uri="{FF2B5EF4-FFF2-40B4-BE49-F238E27FC236}">
+                <a16:creationId xmlns:a16="http://schemas.microsoft.com/office/drawing/2014/main" id="{026C93C4-3C12-5203-666D-EFE9C4593893}"/>
+              </a:ext>
+            </a:extLst>
+          </p:cNvPr>
+          <p:cNvSpPr txBox="1"/>
+          <p:nvPr/>
+        </p:nvSpPr>
+        <p:spPr>
+          <a:xfrm>
+            <a:off x="10519473" y="2737210"/>
+            <a:ext cx="1429170" cy="228600"/>
+          </a:xfrm>
+          <a:prstGeom prst="rect">
+            <a:avLst/>
+          </a:prstGeom>
+          <a:solidFill>
+            <a:schemeClr val="bg1">
+              <a:lumMod val="85000"/>
+            </a:schemeClr>
+          </a:solidFill>
+        </p:spPr>
+        <p:txBody>
+          <a:bodyPr wrap="square" lIns="0" tIns="0" rIns="0" bIns="0" anchor="ctr" anchorCtr="0">
+            <a:noAutofit/>
+          </a:bodyPr>
+          <a:lstStyle/>
+          <a:p>
+            <a:r>
+              <a:rPr lang="en-US" dirty="0"/>
+              <a:t># discretization</a:t>
+            </a:r>
+          </a:p>
+        </p:txBody>
+      </p:sp>
+      <p:sp>
+        <p:nvSpPr>
+          <p:cNvPr id="42" name="TextBox 41">
+            <a:extLst>
+              <a:ext uri="{FF2B5EF4-FFF2-40B4-BE49-F238E27FC236}">
+                <a16:creationId xmlns:a16="http://schemas.microsoft.com/office/drawing/2014/main" id="{AA8534D7-0C8A-15B5-D572-A603BFA861B9}"/>
+              </a:ext>
+            </a:extLst>
+          </p:cNvPr>
+          <p:cNvSpPr txBox="1"/>
+          <p:nvPr/>
+        </p:nvSpPr>
+        <p:spPr>
+          <a:xfrm>
+            <a:off x="9116423" y="3027314"/>
+            <a:ext cx="1429170" cy="228600"/>
+          </a:xfrm>
+          <a:prstGeom prst="rect">
+            <a:avLst/>
+          </a:prstGeom>
+          <a:solidFill>
+            <a:schemeClr val="bg1">
+              <a:lumMod val="85000"/>
+            </a:schemeClr>
+          </a:solidFill>
+        </p:spPr>
+        <p:txBody>
+          <a:bodyPr wrap="square" lIns="0" tIns="0" rIns="0" bIns="0" anchor="ctr" anchorCtr="0">
+            <a:noAutofit/>
+          </a:bodyPr>
+          <a:lstStyle/>
+          <a:p>
+            <a:r>
+              <a:rPr lang="en-US" dirty="0"/>
+              <a:t># Layers  K</a:t>
+            </a:r>
+          </a:p>
+        </p:txBody>
+      </p:sp>
+      <p:sp>
+        <p:nvSpPr>
+          <p:cNvPr id="43" name="TextBox 42">
+            <a:extLst>
+              <a:ext uri="{FF2B5EF4-FFF2-40B4-BE49-F238E27FC236}">
+                <a16:creationId xmlns:a16="http://schemas.microsoft.com/office/drawing/2014/main" id="{FB9C143B-DA0B-735E-5C69-40480A000380}"/>
+              </a:ext>
+            </a:extLst>
+          </p:cNvPr>
+          <p:cNvSpPr txBox="1"/>
+          <p:nvPr/>
+        </p:nvSpPr>
+        <p:spPr>
+          <a:xfrm>
+            <a:off x="8063584" y="547421"/>
+            <a:ext cx="1429170" cy="228600"/>
+          </a:xfrm>
+          <a:prstGeom prst="rect">
+            <a:avLst/>
+          </a:prstGeom>
+          <a:solidFill>
+            <a:schemeClr val="bg1">
+              <a:lumMod val="85000"/>
+            </a:schemeClr>
+          </a:solidFill>
+        </p:spPr>
+        <p:txBody>
+          <a:bodyPr wrap="square" lIns="0" tIns="0" rIns="0" bIns="0" anchor="ctr" anchorCtr="0">
+            <a:noAutofit/>
+          </a:bodyPr>
+          <a:lstStyle/>
+          <a:p>
+            <a:r>
+              <a:rPr lang="en-US" dirty="0"/>
+              <a:t># t DIS</a:t>
+            </a:r>
+          </a:p>
+        </p:txBody>
+      </p:sp>
+    </p:spTree>
+    <p:extLst>
+      <p:ext uri="{BB962C8B-B14F-4D97-AF65-F5344CB8AC3E}">
+        <p14:creationId xmlns:p14="http://schemas.microsoft.com/office/powerpoint/2010/main" val="1158210111"/>
       </p:ext>
     </p:extLst>
   </p:cSld>

--- a/b_Others/01.pptx
+++ b/b_Others/01.pptx
@@ -10,6 +10,7 @@
     <p:sldId id="258" r:id="rId4"/>
     <p:sldId id="259" r:id="rId5"/>
     <p:sldId id="260" r:id="rId6"/>
+    <p:sldId id="261" r:id="rId7"/>
   </p:sldIdLst>
   <p:sldSz cx="12192000" cy="6858000"/>
   <p:notesSz cx="6858000" cy="9144000"/>
@@ -265,7 +266,7 @@
           <a:p>
             <a:fld id="{830943F9-8AC6-4393-AEEF-D45C2A43C7C7}" type="datetimeFigureOut">
               <a:rPr lang="LID4096" smtClean="0"/>
-              <a:t>12/19/2024</a:t>
+              <a:t>12/20/2024</a:t>
             </a:fld>
             <a:endParaRPr lang="LID4096"/>
           </a:p>
@@ -465,7 +466,7 @@
           <a:p>
             <a:fld id="{830943F9-8AC6-4393-AEEF-D45C2A43C7C7}" type="datetimeFigureOut">
               <a:rPr lang="LID4096" smtClean="0"/>
-              <a:t>12/19/2024</a:t>
+              <a:t>12/20/2024</a:t>
             </a:fld>
             <a:endParaRPr lang="LID4096"/>
           </a:p>
@@ -675,7 +676,7 @@
           <a:p>
             <a:fld id="{830943F9-8AC6-4393-AEEF-D45C2A43C7C7}" type="datetimeFigureOut">
               <a:rPr lang="LID4096" smtClean="0"/>
-              <a:t>12/19/2024</a:t>
+              <a:t>12/20/2024</a:t>
             </a:fld>
             <a:endParaRPr lang="LID4096"/>
           </a:p>
@@ -875,7 +876,7 @@
           <a:p>
             <a:fld id="{830943F9-8AC6-4393-AEEF-D45C2A43C7C7}" type="datetimeFigureOut">
               <a:rPr lang="LID4096" smtClean="0"/>
-              <a:t>12/19/2024</a:t>
+              <a:t>12/20/2024</a:t>
             </a:fld>
             <a:endParaRPr lang="LID4096"/>
           </a:p>
@@ -1151,7 +1152,7 @@
           <a:p>
             <a:fld id="{830943F9-8AC6-4393-AEEF-D45C2A43C7C7}" type="datetimeFigureOut">
               <a:rPr lang="LID4096" smtClean="0"/>
-              <a:t>12/19/2024</a:t>
+              <a:t>12/20/2024</a:t>
             </a:fld>
             <a:endParaRPr lang="LID4096"/>
           </a:p>
@@ -1419,7 +1420,7 @@
           <a:p>
             <a:fld id="{830943F9-8AC6-4393-AEEF-D45C2A43C7C7}" type="datetimeFigureOut">
               <a:rPr lang="LID4096" smtClean="0"/>
-              <a:t>12/19/2024</a:t>
+              <a:t>12/20/2024</a:t>
             </a:fld>
             <a:endParaRPr lang="LID4096"/>
           </a:p>
@@ -1834,7 +1835,7 @@
           <a:p>
             <a:fld id="{830943F9-8AC6-4393-AEEF-D45C2A43C7C7}" type="datetimeFigureOut">
               <a:rPr lang="LID4096" smtClean="0"/>
-              <a:t>12/19/2024</a:t>
+              <a:t>12/20/2024</a:t>
             </a:fld>
             <a:endParaRPr lang="LID4096"/>
           </a:p>
@@ -1976,7 +1977,7 @@
           <a:p>
             <a:fld id="{830943F9-8AC6-4393-AEEF-D45C2A43C7C7}" type="datetimeFigureOut">
               <a:rPr lang="LID4096" smtClean="0"/>
-              <a:t>12/19/2024</a:t>
+              <a:t>12/20/2024</a:t>
             </a:fld>
             <a:endParaRPr lang="LID4096"/>
           </a:p>
@@ -2089,7 +2090,7 @@
           <a:p>
             <a:fld id="{830943F9-8AC6-4393-AEEF-D45C2A43C7C7}" type="datetimeFigureOut">
               <a:rPr lang="LID4096" smtClean="0"/>
-              <a:t>12/19/2024</a:t>
+              <a:t>12/20/2024</a:t>
             </a:fld>
             <a:endParaRPr lang="LID4096"/>
           </a:p>
@@ -2402,7 +2403,7 @@
           <a:p>
             <a:fld id="{830943F9-8AC6-4393-AEEF-D45C2A43C7C7}" type="datetimeFigureOut">
               <a:rPr lang="LID4096" smtClean="0"/>
-              <a:t>12/19/2024</a:t>
+              <a:t>12/20/2024</a:t>
             </a:fld>
             <a:endParaRPr lang="LID4096"/>
           </a:p>
@@ -2691,7 +2692,7 @@
           <a:p>
             <a:fld id="{830943F9-8AC6-4393-AEEF-D45C2A43C7C7}" type="datetimeFigureOut">
               <a:rPr lang="LID4096" smtClean="0"/>
-              <a:t>12/19/2024</a:t>
+              <a:t>12/20/2024</a:t>
             </a:fld>
             <a:endParaRPr lang="LID4096"/>
           </a:p>
@@ -2934,7 +2935,7 @@
           <a:p>
             <a:fld id="{830943F9-8AC6-4393-AEEF-D45C2A43C7C7}" type="datetimeFigureOut">
               <a:rPr lang="LID4096" smtClean="0"/>
-              <a:t>12/19/2024</a:t>
+              <a:t>12/20/2024</a:t>
             </a:fld>
             <a:endParaRPr lang="LID4096"/>
           </a:p>
@@ -8664,6 +8665,86 @@
 </p:sld>
 </file>
 
+<file path=ppt/slides/slide6.xml><?xml version="1.0" encoding="utf-8"?>
+<p:sld xmlns:a="http://schemas.openxmlformats.org/drawingml/2006/main" xmlns:r="http://schemas.openxmlformats.org/officeDocument/2006/relationships" xmlns:p="http://schemas.openxmlformats.org/presentationml/2006/main">
+  <p:cSld>
+    <p:bg>
+      <p:bgPr>
+        <a:solidFill>
+          <a:schemeClr val="accent4">
+            <a:lumMod val="20000"/>
+            <a:lumOff val="80000"/>
+          </a:schemeClr>
+        </a:solidFill>
+        <a:effectLst/>
+      </p:bgPr>
+    </p:bg>
+    <p:spTree>
+      <p:nvGrpSpPr>
+        <p:cNvPr id="1" name=""/>
+        <p:cNvGrpSpPr/>
+        <p:nvPr/>
+      </p:nvGrpSpPr>
+      <p:grpSpPr>
+        <a:xfrm>
+          <a:off x="0" y="0"/>
+          <a:ext cx="0" cy="0"/>
+          <a:chOff x="0" y="0"/>
+          <a:chExt cx="0" cy="0"/>
+        </a:xfrm>
+      </p:grpSpPr>
+      <p:sp>
+        <p:nvSpPr>
+          <p:cNvPr id="7" name="TextBox 6">
+            <a:extLst>
+              <a:ext uri="{FF2B5EF4-FFF2-40B4-BE49-F238E27FC236}">
+                <a16:creationId xmlns:a16="http://schemas.microsoft.com/office/drawing/2014/main" id="{C1465C34-DA8C-20CB-F767-87D378BCB81A}"/>
+              </a:ext>
+            </a:extLst>
+          </p:cNvPr>
+          <p:cNvSpPr txBox="1"/>
+          <p:nvPr/>
+        </p:nvSpPr>
+        <p:spPr>
+          <a:xfrm>
+            <a:off x="0" y="6550223"/>
+            <a:ext cx="6492711" cy="307777"/>
+          </a:xfrm>
+          <a:prstGeom prst="rect">
+            <a:avLst/>
+          </a:prstGeom>
+          <a:noFill/>
+        </p:spPr>
+        <p:txBody>
+          <a:bodyPr wrap="square">
+            <a:spAutoFit/>
+          </a:bodyPr>
+          <a:lstStyle/>
+          <a:p>
+            <a:r>
+              <a:rPr lang="pt-BR" sz="1400" dirty="0"/>
+              <a:t>/</a:t>
+            </a:r>
+            <a:r>
+              <a:rPr lang="LID4096" sz="1400" dirty="0"/>
+              <a:t>part0_02_intro_to_freyberg__W_inprogress/intro_freyberg_model_02_02.ipynb</a:t>
+            </a:r>
+          </a:p>
+        </p:txBody>
+      </p:sp>
+    </p:spTree>
+    <p:extLst>
+      <p:ext uri="{BB962C8B-B14F-4D97-AF65-F5344CB8AC3E}">
+        <p14:creationId xmlns:p14="http://schemas.microsoft.com/office/powerpoint/2010/main" val="235134825"/>
+      </p:ext>
+    </p:extLst>
+  </p:cSld>
+  <p:clrMapOvr>
+    <a:masterClrMapping/>
+  </p:clrMapOvr>
+</p:sld>
+</file>
+
 <file path=ppt/theme/theme1.xml><?xml version="1.0" encoding="utf-8"?>
 <a:theme xmlns:a="http://schemas.openxmlformats.org/drawingml/2006/main" name="Office Theme">
   <a:themeElements>
